--- a/计算小孔直径整体汇报.pptx
+++ b/计算小孔直径整体汇报.pptx
@@ -12,6 +12,7 @@
     <p:sldId id="260" r:id="rId6"/>
     <p:sldId id="262" r:id="rId7"/>
     <p:sldId id="261" r:id="rId8"/>
+    <p:sldId id="263" r:id="rId9"/>
   </p:sldIdLst>
   <p:sldSz cx="12192000" cy="6858000"/>
   <p:notesSz cx="6858000" cy="9144000"/>
@@ -110,6 +111,11 @@
       </a:defRPr>
     </a:lvl9pPr>
   </p:defaultTextStyle>
+  <p:extLst>
+    <p:ext uri="{EFAFB233-063F-42B5-8137-9DF3F51BA10A}">
+      <p15:sldGuideLst xmlns:p15="http://schemas.microsoft.com/office/powerpoint/2012/main"/>
+    </p:ext>
+  </p:extLst>
 </p:presentation>
 </file>
 
@@ -260,7 +266,7 @@
           <a:p>
             <a:fld id="{458CE76D-6535-46B4-B2D8-A1BF0A112E26}" type="datetimeFigureOut">
               <a:rPr lang="zh-CN" altLang="en-US" smtClean="0"/>
-              <a:t>2020/8/21</a:t>
+              <a:t>2020/8/22</a:t>
             </a:fld>
             <a:endParaRPr lang="zh-CN" altLang="en-US"/>
           </a:p>
@@ -458,7 +464,7 @@
           <a:p>
             <a:fld id="{458CE76D-6535-46B4-B2D8-A1BF0A112E26}" type="datetimeFigureOut">
               <a:rPr lang="zh-CN" altLang="en-US" smtClean="0"/>
-              <a:t>2020/8/21</a:t>
+              <a:t>2020/8/22</a:t>
             </a:fld>
             <a:endParaRPr lang="zh-CN" altLang="en-US"/>
           </a:p>
@@ -666,7 +672,7 @@
           <a:p>
             <a:fld id="{458CE76D-6535-46B4-B2D8-A1BF0A112E26}" type="datetimeFigureOut">
               <a:rPr lang="zh-CN" altLang="en-US" smtClean="0"/>
-              <a:t>2020/8/21</a:t>
+              <a:t>2020/8/22</a:t>
             </a:fld>
             <a:endParaRPr lang="zh-CN" altLang="en-US"/>
           </a:p>
@@ -864,7 +870,7 @@
           <a:p>
             <a:fld id="{458CE76D-6535-46B4-B2D8-A1BF0A112E26}" type="datetimeFigureOut">
               <a:rPr lang="zh-CN" altLang="en-US" smtClean="0"/>
-              <a:t>2020/8/21</a:t>
+              <a:t>2020/8/22</a:t>
             </a:fld>
             <a:endParaRPr lang="zh-CN" altLang="en-US"/>
           </a:p>
@@ -1139,7 +1145,7 @@
           <a:p>
             <a:fld id="{458CE76D-6535-46B4-B2D8-A1BF0A112E26}" type="datetimeFigureOut">
               <a:rPr lang="zh-CN" altLang="en-US" smtClean="0"/>
-              <a:t>2020/8/21</a:t>
+              <a:t>2020/8/22</a:t>
             </a:fld>
             <a:endParaRPr lang="zh-CN" altLang="en-US"/>
           </a:p>
@@ -1404,7 +1410,7 @@
           <a:p>
             <a:fld id="{458CE76D-6535-46B4-B2D8-A1BF0A112E26}" type="datetimeFigureOut">
               <a:rPr lang="zh-CN" altLang="en-US" smtClean="0"/>
-              <a:t>2020/8/21</a:t>
+              <a:t>2020/8/22</a:t>
             </a:fld>
             <a:endParaRPr lang="zh-CN" altLang="en-US"/>
           </a:p>
@@ -1816,7 +1822,7 @@
           <a:p>
             <a:fld id="{458CE76D-6535-46B4-B2D8-A1BF0A112E26}" type="datetimeFigureOut">
               <a:rPr lang="zh-CN" altLang="en-US" smtClean="0"/>
-              <a:t>2020/8/21</a:t>
+              <a:t>2020/8/22</a:t>
             </a:fld>
             <a:endParaRPr lang="zh-CN" altLang="en-US"/>
           </a:p>
@@ -1957,7 +1963,7 @@
           <a:p>
             <a:fld id="{458CE76D-6535-46B4-B2D8-A1BF0A112E26}" type="datetimeFigureOut">
               <a:rPr lang="zh-CN" altLang="en-US" smtClean="0"/>
-              <a:t>2020/8/21</a:t>
+              <a:t>2020/8/22</a:t>
             </a:fld>
             <a:endParaRPr lang="zh-CN" altLang="en-US"/>
           </a:p>
@@ -2070,7 +2076,7 @@
           <a:p>
             <a:fld id="{458CE76D-6535-46B4-B2D8-A1BF0A112E26}" type="datetimeFigureOut">
               <a:rPr lang="zh-CN" altLang="en-US" smtClean="0"/>
-              <a:t>2020/8/21</a:t>
+              <a:t>2020/8/22</a:t>
             </a:fld>
             <a:endParaRPr lang="zh-CN" altLang="en-US"/>
           </a:p>
@@ -2381,7 +2387,7 @@
           <a:p>
             <a:fld id="{458CE76D-6535-46B4-B2D8-A1BF0A112E26}" type="datetimeFigureOut">
               <a:rPr lang="zh-CN" altLang="en-US" smtClean="0"/>
-              <a:t>2020/8/21</a:t>
+              <a:t>2020/8/22</a:t>
             </a:fld>
             <a:endParaRPr lang="zh-CN" altLang="en-US"/>
           </a:p>
@@ -2669,7 +2675,7 @@
           <a:p>
             <a:fld id="{458CE76D-6535-46B4-B2D8-A1BF0A112E26}" type="datetimeFigureOut">
               <a:rPr lang="zh-CN" altLang="en-US" smtClean="0"/>
-              <a:t>2020/8/21</a:t>
+              <a:t>2020/8/22</a:t>
             </a:fld>
             <a:endParaRPr lang="zh-CN" altLang="en-US"/>
           </a:p>
@@ -2910,7 +2916,7 @@
           <a:p>
             <a:fld id="{458CE76D-6535-46B4-B2D8-A1BF0A112E26}" type="datetimeFigureOut">
               <a:rPr lang="zh-CN" altLang="en-US" smtClean="0"/>
-              <a:t>2020/8/21</a:t>
+              <a:t>2020/8/22</a:t>
             </a:fld>
             <a:endParaRPr lang="zh-CN" altLang="en-US"/>
           </a:p>
@@ -5229,10 +5235,559 @@
           </a:p>
         </p:txBody>
       </p:sp>
+      <p:sp>
+        <p:nvSpPr>
+          <p:cNvPr id="3" name="矩形: 圆角 2">
+            <a:extLst>
+              <a:ext uri="{FF2B5EF4-FFF2-40B4-BE49-F238E27FC236}">
+                <a16:creationId xmlns:a16="http://schemas.microsoft.com/office/drawing/2014/main" id="{7BEED41E-3318-4F30-8C7A-DBF8438E2779}"/>
+              </a:ext>
+            </a:extLst>
+          </p:cNvPr>
+          <p:cNvSpPr/>
+          <p:nvPr/>
+        </p:nvSpPr>
+        <p:spPr>
+          <a:xfrm>
+            <a:off x="953608" y="1186602"/>
+            <a:ext cx="1790701" cy="676275"/>
+          </a:xfrm>
+          <a:prstGeom prst="roundRect">
+            <a:avLst/>
+          </a:prstGeom>
+        </p:spPr>
+        <p:style>
+          <a:lnRef idx="2">
+            <a:schemeClr val="dk1"/>
+          </a:lnRef>
+          <a:fillRef idx="1">
+            <a:schemeClr val="lt1"/>
+          </a:fillRef>
+          <a:effectRef idx="0">
+            <a:schemeClr val="dk1"/>
+          </a:effectRef>
+          <a:fontRef idx="minor">
+            <a:schemeClr val="dk1"/>
+          </a:fontRef>
+        </p:style>
+        <p:txBody>
+          <a:bodyPr rtlCol="0" anchor="ctr"/>
+          <a:lstStyle/>
+          <a:p>
+            <a:pPr algn="ctr"/>
+            <a:r>
+              <a:rPr lang="zh-CN" altLang="en-US" dirty="0">
+                <a:latin typeface="华文细黑" panose="02010600040101010101" pitchFamily="2" charset="-122"/>
+                <a:ea typeface="华文细黑" panose="02010600040101010101" pitchFamily="2" charset="-122"/>
+              </a:rPr>
+              <a:t>将待测量小孔放至显微镜下</a:t>
+            </a:r>
+          </a:p>
+        </p:txBody>
+      </p:sp>
+      <p:sp>
+        <p:nvSpPr>
+          <p:cNvPr id="5" name="矩形: 圆角 4">
+            <a:extLst>
+              <a:ext uri="{FF2B5EF4-FFF2-40B4-BE49-F238E27FC236}">
+                <a16:creationId xmlns:a16="http://schemas.microsoft.com/office/drawing/2014/main" id="{2D2D5CDC-E0FC-429E-96CB-647B4F2097CE}"/>
+              </a:ext>
+            </a:extLst>
+          </p:cNvPr>
+          <p:cNvSpPr/>
+          <p:nvPr/>
+        </p:nvSpPr>
+        <p:spPr>
+          <a:xfrm>
+            <a:off x="953607" y="2456109"/>
+            <a:ext cx="1790701" cy="676275"/>
+          </a:xfrm>
+          <a:prstGeom prst="roundRect">
+            <a:avLst/>
+          </a:prstGeom>
+        </p:spPr>
+        <p:style>
+          <a:lnRef idx="2">
+            <a:schemeClr val="dk1"/>
+          </a:lnRef>
+          <a:fillRef idx="1">
+            <a:schemeClr val="lt1"/>
+          </a:fillRef>
+          <a:effectRef idx="0">
+            <a:schemeClr val="dk1"/>
+          </a:effectRef>
+          <a:fontRef idx="minor">
+            <a:schemeClr val="dk1"/>
+          </a:fontRef>
+        </p:style>
+        <p:txBody>
+          <a:bodyPr rtlCol="0" anchor="ctr"/>
+          <a:lstStyle/>
+          <a:p>
+            <a:pPr algn="ctr"/>
+            <a:r>
+              <a:rPr lang="zh-CN" altLang="en-US" dirty="0">
+                <a:latin typeface="华文细黑" panose="02010600040101010101" pitchFamily="2" charset="-122"/>
+                <a:ea typeface="华文细黑" panose="02010600040101010101" pitchFamily="2" charset="-122"/>
+              </a:rPr>
+              <a:t>保持放大倍数不变</a:t>
+            </a:r>
+          </a:p>
+        </p:txBody>
+      </p:sp>
+      <p:sp>
+        <p:nvSpPr>
+          <p:cNvPr id="6" name="矩形: 圆角 5">
+            <a:extLst>
+              <a:ext uri="{FF2B5EF4-FFF2-40B4-BE49-F238E27FC236}">
+                <a16:creationId xmlns:a16="http://schemas.microsoft.com/office/drawing/2014/main" id="{62AC35EC-9DF8-4E0F-A465-3A70AAB4DDFC}"/>
+              </a:ext>
+            </a:extLst>
+          </p:cNvPr>
+          <p:cNvSpPr/>
+          <p:nvPr/>
+        </p:nvSpPr>
+        <p:spPr>
+          <a:xfrm>
+            <a:off x="953606" y="3725616"/>
+            <a:ext cx="1790701" cy="676275"/>
+          </a:xfrm>
+          <a:prstGeom prst="roundRect">
+            <a:avLst/>
+          </a:prstGeom>
+        </p:spPr>
+        <p:style>
+          <a:lnRef idx="2">
+            <a:schemeClr val="dk1"/>
+          </a:lnRef>
+          <a:fillRef idx="1">
+            <a:schemeClr val="lt1"/>
+          </a:fillRef>
+          <a:effectRef idx="0">
+            <a:schemeClr val="dk1"/>
+          </a:effectRef>
+          <a:fontRef idx="minor">
+            <a:schemeClr val="dk1"/>
+          </a:fontRef>
+        </p:style>
+        <p:txBody>
+          <a:bodyPr rtlCol="0" anchor="ctr"/>
+          <a:lstStyle/>
+          <a:p>
+            <a:pPr algn="ctr"/>
+            <a:r>
+              <a:rPr lang="zh-CN" altLang="en-US" dirty="0">
+                <a:latin typeface="华文细黑" panose="02010600040101010101" pitchFamily="2" charset="-122"/>
+                <a:ea typeface="华文细黑" panose="02010600040101010101" pitchFamily="2" charset="-122"/>
+              </a:rPr>
+              <a:t>调整高度至物像清晰</a:t>
+            </a:r>
+          </a:p>
+        </p:txBody>
+      </p:sp>
+      <p:sp>
+        <p:nvSpPr>
+          <p:cNvPr id="7" name="矩形: 圆角 6">
+            <a:extLst>
+              <a:ext uri="{FF2B5EF4-FFF2-40B4-BE49-F238E27FC236}">
+                <a16:creationId xmlns:a16="http://schemas.microsoft.com/office/drawing/2014/main" id="{B7691CA2-EBBA-43BB-926E-240008B36D99}"/>
+              </a:ext>
+            </a:extLst>
+          </p:cNvPr>
+          <p:cNvSpPr/>
+          <p:nvPr/>
+        </p:nvSpPr>
+        <p:spPr>
+          <a:xfrm>
+            <a:off x="953605" y="4995123"/>
+            <a:ext cx="1790701" cy="676275"/>
+          </a:xfrm>
+          <a:prstGeom prst="roundRect">
+            <a:avLst/>
+          </a:prstGeom>
+        </p:spPr>
+        <p:style>
+          <a:lnRef idx="2">
+            <a:schemeClr val="dk1"/>
+          </a:lnRef>
+          <a:fillRef idx="1">
+            <a:schemeClr val="lt1"/>
+          </a:fillRef>
+          <a:effectRef idx="0">
+            <a:schemeClr val="dk1"/>
+          </a:effectRef>
+          <a:fontRef idx="minor">
+            <a:schemeClr val="dk1"/>
+          </a:fontRef>
+        </p:style>
+        <p:txBody>
+          <a:bodyPr rtlCol="0" anchor="ctr"/>
+          <a:lstStyle/>
+          <a:p>
+            <a:pPr algn="ctr"/>
+            <a:r>
+              <a:rPr lang="zh-CN" altLang="en-US" dirty="0">
+                <a:latin typeface="华文细黑" panose="02010600040101010101" pitchFamily="2" charset="-122"/>
+                <a:ea typeface="华文细黑" panose="02010600040101010101" pitchFamily="2" charset="-122"/>
+              </a:rPr>
+              <a:t>拍摄多张照片</a:t>
+            </a:r>
+          </a:p>
+        </p:txBody>
+      </p:sp>
+      <p:sp>
+        <p:nvSpPr>
+          <p:cNvPr id="8" name="矩形: 圆角 7">
+            <a:extLst>
+              <a:ext uri="{FF2B5EF4-FFF2-40B4-BE49-F238E27FC236}">
+                <a16:creationId xmlns:a16="http://schemas.microsoft.com/office/drawing/2014/main" id="{1855DEAB-F77E-4D63-BA7E-200B52236BA2}"/>
+              </a:ext>
+            </a:extLst>
+          </p:cNvPr>
+          <p:cNvSpPr/>
+          <p:nvPr/>
+        </p:nvSpPr>
+        <p:spPr>
+          <a:xfrm>
+            <a:off x="3657229" y="1186602"/>
+            <a:ext cx="1790701" cy="676275"/>
+          </a:xfrm>
+          <a:prstGeom prst="roundRect">
+            <a:avLst/>
+          </a:prstGeom>
+        </p:spPr>
+        <p:style>
+          <a:lnRef idx="2">
+            <a:schemeClr val="dk1"/>
+          </a:lnRef>
+          <a:fillRef idx="1">
+            <a:schemeClr val="lt1"/>
+          </a:fillRef>
+          <a:effectRef idx="0">
+            <a:schemeClr val="dk1"/>
+          </a:effectRef>
+          <a:fontRef idx="minor">
+            <a:schemeClr val="dk1"/>
+          </a:fontRef>
+        </p:style>
+        <p:txBody>
+          <a:bodyPr rtlCol="0" anchor="ctr"/>
+          <a:lstStyle/>
+          <a:p>
+            <a:pPr algn="ctr"/>
+            <a:r>
+              <a:rPr lang="zh-CN" altLang="en-US" dirty="0">
+                <a:latin typeface="华文细黑" panose="02010600040101010101" pitchFamily="2" charset="-122"/>
+                <a:ea typeface="华文细黑" panose="02010600040101010101" pitchFamily="2" charset="-122"/>
+              </a:rPr>
+              <a:t>输入指令进行测量</a:t>
+            </a:r>
+          </a:p>
+        </p:txBody>
+      </p:sp>
+      <p:sp>
+        <p:nvSpPr>
+          <p:cNvPr id="9" name="矩形: 圆角 8">
+            <a:extLst>
+              <a:ext uri="{FF2B5EF4-FFF2-40B4-BE49-F238E27FC236}">
+                <a16:creationId xmlns:a16="http://schemas.microsoft.com/office/drawing/2014/main" id="{E1689E0F-70F6-463F-A956-D1D941B0E77B}"/>
+              </a:ext>
+            </a:extLst>
+          </p:cNvPr>
+          <p:cNvSpPr/>
+          <p:nvPr/>
+        </p:nvSpPr>
+        <p:spPr>
+          <a:xfrm>
+            <a:off x="3657228" y="2456109"/>
+            <a:ext cx="1790701" cy="676275"/>
+          </a:xfrm>
+          <a:prstGeom prst="roundRect">
+            <a:avLst/>
+          </a:prstGeom>
+        </p:spPr>
+        <p:style>
+          <a:lnRef idx="2">
+            <a:schemeClr val="dk1"/>
+          </a:lnRef>
+          <a:fillRef idx="1">
+            <a:schemeClr val="lt1"/>
+          </a:fillRef>
+          <a:effectRef idx="0">
+            <a:schemeClr val="dk1"/>
+          </a:effectRef>
+          <a:fontRef idx="minor">
+            <a:schemeClr val="dk1"/>
+          </a:fontRef>
+        </p:style>
+        <p:txBody>
+          <a:bodyPr rtlCol="0" anchor="ctr"/>
+          <a:lstStyle/>
+          <a:p>
+            <a:pPr algn="ctr"/>
+            <a:r>
+              <a:rPr lang="zh-CN" altLang="en-US" dirty="0">
+                <a:latin typeface="华文细黑" panose="02010600040101010101" pitchFamily="2" charset="-122"/>
+                <a:ea typeface="华文细黑" panose="02010600040101010101" pitchFamily="2" charset="-122"/>
+              </a:rPr>
+              <a:t>得到测量结果</a:t>
+            </a:r>
+          </a:p>
+        </p:txBody>
+      </p:sp>
+      <p:cxnSp>
+        <p:nvCxnSpPr>
+          <p:cNvPr id="10" name="直接箭头连接符 9">
+            <a:extLst>
+              <a:ext uri="{FF2B5EF4-FFF2-40B4-BE49-F238E27FC236}">
+                <a16:creationId xmlns:a16="http://schemas.microsoft.com/office/drawing/2014/main" id="{CC717376-DB67-4BD3-BC3E-D9A5F4BDD51A}"/>
+              </a:ext>
+            </a:extLst>
+          </p:cNvPr>
+          <p:cNvCxnSpPr>
+            <a:cxnSpLocks/>
+            <a:stCxn id="3" idx="2"/>
+            <a:endCxn id="5" idx="0"/>
+          </p:cNvCxnSpPr>
+          <p:nvPr/>
+        </p:nvCxnSpPr>
+        <p:spPr>
+          <a:xfrm flipH="1">
+            <a:off x="1848958" y="1862877"/>
+            <a:ext cx="1" cy="593232"/>
+          </a:xfrm>
+          <a:prstGeom prst="straightConnector1">
+            <a:avLst/>
+          </a:prstGeom>
+          <a:ln>
+            <a:tailEnd type="triangle"/>
+          </a:ln>
+        </p:spPr>
+        <p:style>
+          <a:lnRef idx="3">
+            <a:schemeClr val="dk1"/>
+          </a:lnRef>
+          <a:fillRef idx="0">
+            <a:schemeClr val="dk1"/>
+          </a:fillRef>
+          <a:effectRef idx="2">
+            <a:schemeClr val="dk1"/>
+          </a:effectRef>
+          <a:fontRef idx="minor">
+            <a:schemeClr val="tx1"/>
+          </a:fontRef>
+        </p:style>
+      </p:cxnSp>
+      <p:cxnSp>
+        <p:nvCxnSpPr>
+          <p:cNvPr id="12" name="直接箭头连接符 11">
+            <a:extLst>
+              <a:ext uri="{FF2B5EF4-FFF2-40B4-BE49-F238E27FC236}">
+                <a16:creationId xmlns:a16="http://schemas.microsoft.com/office/drawing/2014/main" id="{200DCBCB-C315-4D1F-A112-DC1AE354958A}"/>
+              </a:ext>
+            </a:extLst>
+          </p:cNvPr>
+          <p:cNvCxnSpPr>
+            <a:cxnSpLocks/>
+            <a:stCxn id="5" idx="2"/>
+            <a:endCxn id="6" idx="0"/>
+          </p:cNvCxnSpPr>
+          <p:nvPr/>
+        </p:nvCxnSpPr>
+        <p:spPr>
+          <a:xfrm flipH="1">
+            <a:off x="1848957" y="3132384"/>
+            <a:ext cx="1" cy="593232"/>
+          </a:xfrm>
+          <a:prstGeom prst="straightConnector1">
+            <a:avLst/>
+          </a:prstGeom>
+          <a:ln>
+            <a:tailEnd type="triangle"/>
+          </a:ln>
+        </p:spPr>
+        <p:style>
+          <a:lnRef idx="3">
+            <a:schemeClr val="dk1"/>
+          </a:lnRef>
+          <a:fillRef idx="0">
+            <a:schemeClr val="dk1"/>
+          </a:fillRef>
+          <a:effectRef idx="2">
+            <a:schemeClr val="dk1"/>
+          </a:effectRef>
+          <a:fontRef idx="minor">
+            <a:schemeClr val="tx1"/>
+          </a:fontRef>
+        </p:style>
+      </p:cxnSp>
+      <p:cxnSp>
+        <p:nvCxnSpPr>
+          <p:cNvPr id="15" name="直接箭头连接符 14">
+            <a:extLst>
+              <a:ext uri="{FF2B5EF4-FFF2-40B4-BE49-F238E27FC236}">
+                <a16:creationId xmlns:a16="http://schemas.microsoft.com/office/drawing/2014/main" id="{90C43AEC-DAA6-4B88-815B-0E2DE61E54B3}"/>
+              </a:ext>
+            </a:extLst>
+          </p:cNvPr>
+          <p:cNvCxnSpPr>
+            <a:cxnSpLocks/>
+            <a:stCxn id="6" idx="2"/>
+            <a:endCxn id="7" idx="0"/>
+          </p:cNvCxnSpPr>
+          <p:nvPr/>
+        </p:nvCxnSpPr>
+        <p:spPr>
+          <a:xfrm flipH="1">
+            <a:off x="1848956" y="4401891"/>
+            <a:ext cx="1" cy="593232"/>
+          </a:xfrm>
+          <a:prstGeom prst="straightConnector1">
+            <a:avLst/>
+          </a:prstGeom>
+          <a:ln>
+            <a:tailEnd type="triangle"/>
+          </a:ln>
+        </p:spPr>
+        <p:style>
+          <a:lnRef idx="3">
+            <a:schemeClr val="dk1"/>
+          </a:lnRef>
+          <a:fillRef idx="0">
+            <a:schemeClr val="dk1"/>
+          </a:fillRef>
+          <a:effectRef idx="2">
+            <a:schemeClr val="dk1"/>
+          </a:effectRef>
+          <a:fontRef idx="minor">
+            <a:schemeClr val="tx1"/>
+          </a:fontRef>
+        </p:style>
+      </p:cxnSp>
+      <p:cxnSp>
+        <p:nvCxnSpPr>
+          <p:cNvPr id="18" name="连接符: 肘形 17">
+            <a:extLst>
+              <a:ext uri="{FF2B5EF4-FFF2-40B4-BE49-F238E27FC236}">
+                <a16:creationId xmlns:a16="http://schemas.microsoft.com/office/drawing/2014/main" id="{E5C86225-6C06-4F81-9B4A-31240A963E1B}"/>
+              </a:ext>
+            </a:extLst>
+          </p:cNvPr>
+          <p:cNvCxnSpPr>
+            <a:cxnSpLocks/>
+            <a:stCxn id="7" idx="2"/>
+            <a:endCxn id="8" idx="0"/>
+          </p:cNvCxnSpPr>
+          <p:nvPr/>
+        </p:nvCxnSpPr>
+        <p:spPr>
+          <a:xfrm rot="5400000" flipH="1" flipV="1">
+            <a:off x="958370" y="2077188"/>
+            <a:ext cx="4484796" cy="2703624"/>
+          </a:xfrm>
+          <a:prstGeom prst="bentConnector5">
+            <a:avLst>
+              <a:gd name="adj1" fmla="val -5097"/>
+              <a:gd name="adj2" fmla="val 50000"/>
+              <a:gd name="adj3" fmla="val 105097"/>
+            </a:avLst>
+          </a:prstGeom>
+          <a:ln>
+            <a:tailEnd type="triangle"/>
+          </a:ln>
+        </p:spPr>
+        <p:style>
+          <a:lnRef idx="3">
+            <a:schemeClr val="dk1"/>
+          </a:lnRef>
+          <a:fillRef idx="0">
+            <a:schemeClr val="dk1"/>
+          </a:fillRef>
+          <a:effectRef idx="2">
+            <a:schemeClr val="dk1"/>
+          </a:effectRef>
+          <a:fontRef idx="minor">
+            <a:schemeClr val="tx1"/>
+          </a:fontRef>
+        </p:style>
+      </p:cxnSp>
+      <p:cxnSp>
+        <p:nvCxnSpPr>
+          <p:cNvPr id="21" name="直接箭头连接符 20">
+            <a:extLst>
+              <a:ext uri="{FF2B5EF4-FFF2-40B4-BE49-F238E27FC236}">
+                <a16:creationId xmlns:a16="http://schemas.microsoft.com/office/drawing/2014/main" id="{85DEAADD-F67C-4FCF-A03C-8F3416091FDD}"/>
+              </a:ext>
+            </a:extLst>
+          </p:cNvPr>
+          <p:cNvCxnSpPr>
+            <a:cxnSpLocks/>
+            <a:stCxn id="8" idx="2"/>
+            <a:endCxn id="9" idx="0"/>
+          </p:cNvCxnSpPr>
+          <p:nvPr/>
+        </p:nvCxnSpPr>
+        <p:spPr>
+          <a:xfrm flipH="1">
+            <a:off x="4552579" y="1862877"/>
+            <a:ext cx="1" cy="593232"/>
+          </a:xfrm>
+          <a:prstGeom prst="straightConnector1">
+            <a:avLst/>
+          </a:prstGeom>
+          <a:ln>
+            <a:tailEnd type="triangle"/>
+          </a:ln>
+        </p:spPr>
+        <p:style>
+          <a:lnRef idx="3">
+            <a:schemeClr val="dk1"/>
+          </a:lnRef>
+          <a:fillRef idx="0">
+            <a:schemeClr val="dk1"/>
+          </a:fillRef>
+          <a:effectRef idx="2">
+            <a:schemeClr val="dk1"/>
+          </a:effectRef>
+          <a:fontRef idx="minor">
+            <a:schemeClr val="tx1"/>
+          </a:fontRef>
+        </p:style>
+      </p:cxnSp>
     </p:spTree>
     <p:extLst>
       <p:ext uri="{BB962C8B-B14F-4D97-AF65-F5344CB8AC3E}">
         <p14:creationId xmlns:p14="http://schemas.microsoft.com/office/powerpoint/2010/main" val="3714005402"/>
+      </p:ext>
+    </p:extLst>
+  </p:cSld>
+  <p:clrMapOvr>
+    <a:masterClrMapping/>
+  </p:clrMapOvr>
+</p:sld>
+</file>
+
+<file path=ppt/slides/slide8.xml><?xml version="1.0" encoding="utf-8"?>
+<p:sld xmlns:a="http://schemas.openxmlformats.org/drawingml/2006/main" xmlns:r="http://schemas.openxmlformats.org/officeDocument/2006/relationships" xmlns:p="http://schemas.openxmlformats.org/presentationml/2006/main">
+  <p:cSld>
+    <p:spTree>
+      <p:nvGrpSpPr>
+        <p:cNvPr id="1" name=""/>
+        <p:cNvGrpSpPr/>
+        <p:nvPr/>
+      </p:nvGrpSpPr>
+      <p:grpSpPr>
+        <a:xfrm>
+          <a:off x="0" y="0"/>
+          <a:ext cx="0" cy="0"/>
+          <a:chOff x="0" y="0"/>
+          <a:chExt cx="0" cy="0"/>
+        </a:xfrm>
+      </p:grpSpPr>
+    </p:spTree>
+    <p:extLst>
+      <p:ext uri="{BB962C8B-B14F-4D97-AF65-F5344CB8AC3E}">
+        <p14:creationId xmlns:p14="http://schemas.microsoft.com/office/powerpoint/2010/main" val="4154533660"/>
       </p:ext>
     </p:extLst>
   </p:cSld>

--- a/计算小孔直径整体汇报.pptx
+++ b/计算小孔直径整体汇报.pptx
@@ -266,7 +266,7 @@
           <a:p>
             <a:fld id="{458CE76D-6535-46B4-B2D8-A1BF0A112E26}" type="datetimeFigureOut">
               <a:rPr lang="zh-CN" altLang="en-US" smtClean="0"/>
-              <a:t>2020/8/22</a:t>
+              <a:t>2020/8/24</a:t>
             </a:fld>
             <a:endParaRPr lang="zh-CN" altLang="en-US"/>
           </a:p>
@@ -464,7 +464,7 @@
           <a:p>
             <a:fld id="{458CE76D-6535-46B4-B2D8-A1BF0A112E26}" type="datetimeFigureOut">
               <a:rPr lang="zh-CN" altLang="en-US" smtClean="0"/>
-              <a:t>2020/8/22</a:t>
+              <a:t>2020/8/24</a:t>
             </a:fld>
             <a:endParaRPr lang="zh-CN" altLang="en-US"/>
           </a:p>
@@ -672,7 +672,7 @@
           <a:p>
             <a:fld id="{458CE76D-6535-46B4-B2D8-A1BF0A112E26}" type="datetimeFigureOut">
               <a:rPr lang="zh-CN" altLang="en-US" smtClean="0"/>
-              <a:t>2020/8/22</a:t>
+              <a:t>2020/8/24</a:t>
             </a:fld>
             <a:endParaRPr lang="zh-CN" altLang="en-US"/>
           </a:p>
@@ -870,7 +870,7 @@
           <a:p>
             <a:fld id="{458CE76D-6535-46B4-B2D8-A1BF0A112E26}" type="datetimeFigureOut">
               <a:rPr lang="zh-CN" altLang="en-US" smtClean="0"/>
-              <a:t>2020/8/22</a:t>
+              <a:t>2020/8/24</a:t>
             </a:fld>
             <a:endParaRPr lang="zh-CN" altLang="en-US"/>
           </a:p>
@@ -1145,7 +1145,7 @@
           <a:p>
             <a:fld id="{458CE76D-6535-46B4-B2D8-A1BF0A112E26}" type="datetimeFigureOut">
               <a:rPr lang="zh-CN" altLang="en-US" smtClean="0"/>
-              <a:t>2020/8/22</a:t>
+              <a:t>2020/8/24</a:t>
             </a:fld>
             <a:endParaRPr lang="zh-CN" altLang="en-US"/>
           </a:p>
@@ -1410,7 +1410,7 @@
           <a:p>
             <a:fld id="{458CE76D-6535-46B4-B2D8-A1BF0A112E26}" type="datetimeFigureOut">
               <a:rPr lang="zh-CN" altLang="en-US" smtClean="0"/>
-              <a:t>2020/8/22</a:t>
+              <a:t>2020/8/24</a:t>
             </a:fld>
             <a:endParaRPr lang="zh-CN" altLang="en-US"/>
           </a:p>
@@ -1822,7 +1822,7 @@
           <a:p>
             <a:fld id="{458CE76D-6535-46B4-B2D8-A1BF0A112E26}" type="datetimeFigureOut">
               <a:rPr lang="zh-CN" altLang="en-US" smtClean="0"/>
-              <a:t>2020/8/22</a:t>
+              <a:t>2020/8/24</a:t>
             </a:fld>
             <a:endParaRPr lang="zh-CN" altLang="en-US"/>
           </a:p>
@@ -1963,7 +1963,7 @@
           <a:p>
             <a:fld id="{458CE76D-6535-46B4-B2D8-A1BF0A112E26}" type="datetimeFigureOut">
               <a:rPr lang="zh-CN" altLang="en-US" smtClean="0"/>
-              <a:t>2020/8/22</a:t>
+              <a:t>2020/8/24</a:t>
             </a:fld>
             <a:endParaRPr lang="zh-CN" altLang="en-US"/>
           </a:p>
@@ -2076,7 +2076,7 @@
           <a:p>
             <a:fld id="{458CE76D-6535-46B4-B2D8-A1BF0A112E26}" type="datetimeFigureOut">
               <a:rPr lang="zh-CN" altLang="en-US" smtClean="0"/>
-              <a:t>2020/8/22</a:t>
+              <a:t>2020/8/24</a:t>
             </a:fld>
             <a:endParaRPr lang="zh-CN" altLang="en-US"/>
           </a:p>
@@ -2387,7 +2387,7 @@
           <a:p>
             <a:fld id="{458CE76D-6535-46B4-B2D8-A1BF0A112E26}" type="datetimeFigureOut">
               <a:rPr lang="zh-CN" altLang="en-US" smtClean="0"/>
-              <a:t>2020/8/22</a:t>
+              <a:t>2020/8/24</a:t>
             </a:fld>
             <a:endParaRPr lang="zh-CN" altLang="en-US"/>
           </a:p>
@@ -2675,7 +2675,7 @@
           <a:p>
             <a:fld id="{458CE76D-6535-46B4-B2D8-A1BF0A112E26}" type="datetimeFigureOut">
               <a:rPr lang="zh-CN" altLang="en-US" smtClean="0"/>
-              <a:t>2020/8/22</a:t>
+              <a:t>2020/8/24</a:t>
             </a:fld>
             <a:endParaRPr lang="zh-CN" altLang="en-US"/>
           </a:p>
@@ -2916,7 +2916,7 @@
           <a:p>
             <a:fld id="{458CE76D-6535-46B4-B2D8-A1BF0A112E26}" type="datetimeFigureOut">
               <a:rPr lang="zh-CN" altLang="en-US" smtClean="0"/>
-              <a:t>2020/8/22</a:t>
+              <a:t>2020/8/24</a:t>
             </a:fld>
             <a:endParaRPr lang="zh-CN" altLang="en-US"/>
           </a:p>
@@ -3760,6 +3760,41 @@
           </a:p>
         </p:txBody>
       </p:sp>
+      <p:pic>
+        <p:nvPicPr>
+          <p:cNvPr id="3" name="图片 2">
+            <a:extLst>
+              <a:ext uri="{FF2B5EF4-FFF2-40B4-BE49-F238E27FC236}">
+                <a16:creationId xmlns:a16="http://schemas.microsoft.com/office/drawing/2014/main" id="{17E58AB6-458D-4165-B9FC-C93E8FEF3A08}"/>
+              </a:ext>
+            </a:extLst>
+          </p:cNvPr>
+          <p:cNvPicPr>
+            <a:picLocks noChangeAspect="1"/>
+          </p:cNvPicPr>
+          <p:nvPr/>
+        </p:nvPicPr>
+        <p:blipFill rotWithShape="1">
+          <a:blip r:embed="rId2">
+            <a:extLst>
+              <a:ext uri="{28A0092B-C50C-407E-A947-70E740481C1C}">
+                <a14:useLocalDpi xmlns:a14="http://schemas.microsoft.com/office/drawing/2010/main" val="0"/>
+              </a:ext>
+            </a:extLst>
+          </a:blip>
+          <a:srcRect b="16634"/>
+          <a:stretch/>
+        </p:blipFill>
+        <p:spPr>
+          <a:xfrm>
+            <a:off x="1585867" y="894981"/>
+            <a:ext cx="3143250" cy="5717219"/>
+          </a:xfrm>
+          <a:prstGeom prst="rect">
+            <a:avLst/>
+          </a:prstGeom>
+        </p:spPr>
+      </p:pic>
     </p:spTree>
     <p:extLst>
       <p:ext uri="{BB962C8B-B14F-4D97-AF65-F5344CB8AC3E}">
@@ -3857,11 +3892,18 @@
           <a:lstStyle/>
           <a:p>
             <a:r>
+              <a:rPr lang="zh-CN" altLang="en-US" sz="2400" b="1" dirty="0">
+                <a:latin typeface="华文细黑" panose="02010600040101010101" pitchFamily="2" charset="-122"/>
+                <a:ea typeface="华文细黑" panose="02010600040101010101" pitchFamily="2" charset="-122"/>
+              </a:rPr>
+              <a:t>目的</a:t>
+            </a:r>
+            <a:r>
               <a:rPr lang="zh-CN" altLang="en-US" sz="2400" dirty="0">
                 <a:latin typeface="华文细黑" panose="02010600040101010101" pitchFamily="2" charset="-122"/>
                 <a:ea typeface="华文细黑" panose="02010600040101010101" pitchFamily="2" charset="-122"/>
               </a:rPr>
-              <a:t>目的：确定显微镜拍摄的图片的单位像素的实际长度</a:t>
+              <a:t>：确定显微镜拍摄的图片的单位像素的实际长度</a:t>
             </a:r>
             <a:endParaRPr lang="en-US" altLang="zh-CN" sz="2400" dirty="0">
               <a:latin typeface="华文细黑" panose="02010600040101010101" pitchFamily="2" charset="-122"/>
@@ -5074,11 +5116,18 @@
               </a:lnSpc>
             </a:pPr>
             <a:r>
+              <a:rPr lang="zh-CN" altLang="en-US" sz="2400" b="1" dirty="0">
+                <a:latin typeface="华文细黑" panose="02010600040101010101" pitchFamily="2" charset="-122"/>
+                <a:ea typeface="华文细黑" panose="02010600040101010101" pitchFamily="2" charset="-122"/>
+              </a:rPr>
+              <a:t>算法内部阈值参数</a:t>
+            </a:r>
+            <a:r>
               <a:rPr lang="zh-CN" altLang="en-US" sz="2400" dirty="0">
                 <a:latin typeface="华文细黑" panose="02010600040101010101" pitchFamily="2" charset="-122"/>
                 <a:ea typeface="华文细黑" panose="02010600040101010101" pitchFamily="2" charset="-122"/>
               </a:rPr>
-              <a:t>算法内部阈值参数：</a:t>
+              <a:t>：</a:t>
             </a:r>
             <a:endParaRPr lang="en-US" altLang="zh-CN" sz="2400" dirty="0">
               <a:latin typeface="华文细黑" panose="02010600040101010101" pitchFamily="2" charset="-122"/>
@@ -5098,7 +5147,7 @@
                 <a:latin typeface="华文细黑" panose="02010600040101010101" pitchFamily="2" charset="-122"/>
                 <a:ea typeface="华文细黑" panose="02010600040101010101" pitchFamily="2" charset="-122"/>
               </a:rPr>
-              <a:t>小孔的周长范围</a:t>
+              <a:t>小孔半径范围</a:t>
             </a:r>
             <a:endParaRPr lang="en-US" altLang="zh-CN" sz="2400" dirty="0">
               <a:latin typeface="华文细黑" panose="02010600040101010101" pitchFamily="2" charset="-122"/>
@@ -5118,7 +5167,7 @@
                 <a:latin typeface="华文细黑" panose="02010600040101010101" pitchFamily="2" charset="-122"/>
                 <a:ea typeface="华文细黑" panose="02010600040101010101" pitchFamily="2" charset="-122"/>
               </a:rPr>
-              <a:t>小孔的面积范围</a:t>
+              <a:t>小孔的周长范围</a:t>
             </a:r>
             <a:endParaRPr lang="en-US" altLang="zh-CN" sz="2400" dirty="0">
               <a:latin typeface="华文细黑" panose="02010600040101010101" pitchFamily="2" charset="-122"/>
@@ -5138,7 +5187,7 @@
                 <a:latin typeface="华文细黑" panose="02010600040101010101" pitchFamily="2" charset="-122"/>
                 <a:ea typeface="华文细黑" panose="02010600040101010101" pitchFamily="2" charset="-122"/>
               </a:rPr>
-              <a:t>小孔半径范围</a:t>
+              <a:t>小孔的面积范围</a:t>
             </a:r>
             <a:endParaRPr lang="en-US" altLang="zh-CN" sz="2400" dirty="0">
               <a:latin typeface="华文细黑" panose="02010600040101010101" pitchFamily="2" charset="-122"/>
@@ -5167,6 +5216,42 @@
           </a:p>
         </p:txBody>
       </p:sp>
+      <p:pic>
+        <p:nvPicPr>
+          <p:cNvPr id="3" name="图片 2">
+            <a:extLst>
+              <a:ext uri="{FF2B5EF4-FFF2-40B4-BE49-F238E27FC236}">
+                <a16:creationId xmlns:a16="http://schemas.microsoft.com/office/drawing/2014/main" id="{D5337502-11A5-4692-AE42-D52D4EFAA37E}"/>
+              </a:ext>
+            </a:extLst>
+          </p:cNvPr>
+          <p:cNvPicPr>
+            <a:picLocks noChangeAspect="1"/>
+          </p:cNvPicPr>
+          <p:nvPr/>
+        </p:nvPicPr>
+        <p:blipFill>
+          <a:blip r:embed="rId2">
+            <a:extLst>
+              <a:ext uri="{28A0092B-C50C-407E-A947-70E740481C1C}">
+                <a14:useLocalDpi xmlns:a14="http://schemas.microsoft.com/office/drawing/2010/main" val="0"/>
+              </a:ext>
+            </a:extLst>
+          </a:blip>
+          <a:stretch>
+            <a:fillRect/>
+          </a:stretch>
+        </p:blipFill>
+        <p:spPr>
+          <a:xfrm>
+            <a:off x="5238750" y="679654"/>
+            <a:ext cx="6633128" cy="4974846"/>
+          </a:xfrm>
+          <a:prstGeom prst="rect">
+            <a:avLst/>
+          </a:prstGeom>
+        </p:spPr>
+      </p:pic>
     </p:spTree>
     <p:extLst>
       <p:ext uri="{BB962C8B-B14F-4D97-AF65-F5344CB8AC3E}">
@@ -5754,6 +5839,317 @@
           </a:fontRef>
         </p:style>
       </p:cxnSp>
+      <p:sp>
+        <p:nvSpPr>
+          <p:cNvPr id="14" name="文本框 13">
+            <a:extLst>
+              <a:ext uri="{FF2B5EF4-FFF2-40B4-BE49-F238E27FC236}">
+                <a16:creationId xmlns:a16="http://schemas.microsoft.com/office/drawing/2014/main" id="{7C102BDA-5FEB-4401-A826-436B687B027F}"/>
+              </a:ext>
+            </a:extLst>
+          </p:cNvPr>
+          <p:cNvSpPr txBox="1"/>
+          <p:nvPr/>
+        </p:nvSpPr>
+        <p:spPr>
+          <a:xfrm>
+            <a:off x="6360849" y="1058611"/>
+            <a:ext cx="4648200" cy="3740832"/>
+          </a:xfrm>
+          <a:prstGeom prst="rect">
+            <a:avLst/>
+          </a:prstGeom>
+          <a:noFill/>
+        </p:spPr>
+        <p:txBody>
+          <a:bodyPr wrap="square" rtlCol="0">
+            <a:spAutoFit/>
+          </a:bodyPr>
+          <a:lstStyle/>
+          <a:p>
+            <a:pPr>
+              <a:lnSpc>
+                <a:spcPct val="150000"/>
+              </a:lnSpc>
+            </a:pPr>
+            <a:r>
+              <a:rPr lang="zh-CN" altLang="en-US" sz="2400" b="1" dirty="0">
+                <a:latin typeface="华文细黑" panose="02010600040101010101" pitchFamily="2" charset="-122"/>
+                <a:ea typeface="华文细黑" panose="02010600040101010101" pitchFamily="2" charset="-122"/>
+              </a:rPr>
+              <a:t>具体指令</a:t>
+            </a:r>
+            <a:endParaRPr lang="en-US" altLang="zh-CN" sz="2400" b="1" dirty="0">
+              <a:latin typeface="华文细黑" panose="02010600040101010101" pitchFamily="2" charset="-122"/>
+              <a:ea typeface="华文细黑" panose="02010600040101010101" pitchFamily="2" charset="-122"/>
+            </a:endParaRPr>
+          </a:p>
+          <a:p>
+            <a:pPr marL="342900" indent="-342900">
+              <a:lnSpc>
+                <a:spcPct val="150000"/>
+              </a:lnSpc>
+              <a:buFont typeface="Arial" panose="020B0604020202020204" pitchFamily="34" charset="0"/>
+              <a:buChar char="•"/>
+            </a:pPr>
+            <a:r>
+              <a:rPr lang="zh-CN" altLang="en-US" sz="2000" dirty="0">
+                <a:latin typeface="华文细黑" panose="02010600040101010101" pitchFamily="2" charset="-122"/>
+                <a:ea typeface="华文细黑" panose="02010600040101010101" pitchFamily="2" charset="-122"/>
+              </a:rPr>
+              <a:t>生成标定棋盘格：</a:t>
+            </a:r>
+            <a:endParaRPr lang="en-US" altLang="zh-CN" sz="2000" dirty="0">
+              <a:latin typeface="华文细黑" panose="02010600040101010101" pitchFamily="2" charset="-122"/>
+              <a:ea typeface="华文细黑" panose="02010600040101010101" pitchFamily="2" charset="-122"/>
+            </a:endParaRPr>
+          </a:p>
+          <a:p>
+            <a:pPr>
+              <a:lnSpc>
+                <a:spcPct val="150000"/>
+              </a:lnSpc>
+            </a:pPr>
+            <a:r>
+              <a:rPr lang="en-US" altLang="zh-CN" sz="1600" dirty="0">
+                <a:latin typeface="华文细黑" panose="02010600040101010101" pitchFamily="2" charset="-122"/>
+                <a:ea typeface="华文细黑" panose="02010600040101010101" pitchFamily="2" charset="-122"/>
+              </a:rPr>
+              <a:t>start IndentationDetection.exe </a:t>
+            </a:r>
+            <a:r>
+              <a:rPr lang="en-US" altLang="zh-CN" sz="1600" dirty="0" err="1">
+                <a:latin typeface="华文细黑" panose="02010600040101010101" pitchFamily="2" charset="-122"/>
+                <a:ea typeface="华文细黑" panose="02010600040101010101" pitchFamily="2" charset="-122"/>
+              </a:rPr>
+              <a:t>gen_calibrator</a:t>
+            </a:r>
+            <a:r>
+              <a:rPr lang="en-US" altLang="zh-CN" sz="1600" dirty="0">
+                <a:latin typeface="华文细黑" panose="02010600040101010101" pitchFamily="2" charset="-122"/>
+                <a:ea typeface="华文细黑" panose="02010600040101010101" pitchFamily="2" charset="-122"/>
+              </a:rPr>
+              <a:t> [</a:t>
+            </a:r>
+            <a:r>
+              <a:rPr lang="zh-CN" altLang="en-US" sz="1600" dirty="0">
+                <a:latin typeface="华文细黑" panose="02010600040101010101" pitchFamily="2" charset="-122"/>
+                <a:ea typeface="华文细黑" panose="02010600040101010101" pitchFamily="2" charset="-122"/>
+              </a:rPr>
+              <a:t>宽</a:t>
+            </a:r>
+            <a:r>
+              <a:rPr lang="en-US" altLang="zh-CN" sz="1600" dirty="0">
+                <a:latin typeface="华文细黑" panose="02010600040101010101" pitchFamily="2" charset="-122"/>
+                <a:ea typeface="华文细黑" panose="02010600040101010101" pitchFamily="2" charset="-122"/>
+              </a:rPr>
+              <a:t>] [</a:t>
+            </a:r>
+            <a:r>
+              <a:rPr lang="zh-CN" altLang="en-US" sz="1600" dirty="0">
+                <a:latin typeface="华文细黑" panose="02010600040101010101" pitchFamily="2" charset="-122"/>
+                <a:ea typeface="华文细黑" panose="02010600040101010101" pitchFamily="2" charset="-122"/>
+              </a:rPr>
+              <a:t>高</a:t>
+            </a:r>
+            <a:r>
+              <a:rPr lang="en-US" altLang="zh-CN" sz="1600" dirty="0">
+                <a:latin typeface="华文细黑" panose="02010600040101010101" pitchFamily="2" charset="-122"/>
+                <a:ea typeface="华文细黑" panose="02010600040101010101" pitchFamily="2" charset="-122"/>
+              </a:rPr>
+              <a:t>] [</a:t>
+            </a:r>
+            <a:r>
+              <a:rPr lang="zh-CN" altLang="en-US" sz="1600" dirty="0">
+                <a:latin typeface="华文细黑" panose="02010600040101010101" pitchFamily="2" charset="-122"/>
+                <a:ea typeface="华文细黑" panose="02010600040101010101" pitchFamily="2" charset="-122"/>
+              </a:rPr>
+              <a:t>方格宽度</a:t>
+            </a:r>
+            <a:r>
+              <a:rPr lang="en-US" altLang="zh-CN" sz="1600" dirty="0">
+                <a:latin typeface="华文细黑" panose="02010600040101010101" pitchFamily="2" charset="-122"/>
+                <a:ea typeface="华文细黑" panose="02010600040101010101" pitchFamily="2" charset="-122"/>
+              </a:rPr>
+              <a:t>]  [</a:t>
+            </a:r>
+            <a:r>
+              <a:rPr lang="zh-CN" altLang="en-US" sz="1600" dirty="0">
+                <a:latin typeface="华文细黑" panose="02010600040101010101" pitchFamily="2" charset="-122"/>
+                <a:ea typeface="华文细黑" panose="02010600040101010101" pitchFamily="2" charset="-122"/>
+              </a:rPr>
+              <a:t>输出路径</a:t>
+            </a:r>
+            <a:r>
+              <a:rPr lang="en-US" altLang="zh-CN" sz="1600" dirty="0">
+                <a:latin typeface="华文细黑" panose="02010600040101010101" pitchFamily="2" charset="-122"/>
+                <a:ea typeface="华文细黑" panose="02010600040101010101" pitchFamily="2" charset="-122"/>
+              </a:rPr>
+              <a:t>]</a:t>
+            </a:r>
+          </a:p>
+          <a:p>
+            <a:pPr marL="285750" indent="-285750">
+              <a:lnSpc>
+                <a:spcPct val="150000"/>
+              </a:lnSpc>
+              <a:buFont typeface="Arial" panose="020B0604020202020204" pitchFamily="34" charset="0"/>
+              <a:buChar char="•"/>
+            </a:pPr>
+            <a:r>
+              <a:rPr lang="zh-CN" altLang="en-US" sz="2000" dirty="0">
+                <a:latin typeface="华文细黑" panose="02010600040101010101" pitchFamily="2" charset="-122"/>
+                <a:ea typeface="华文细黑" panose="02010600040101010101" pitchFamily="2" charset="-122"/>
+              </a:rPr>
+              <a:t>生成标定棋盘格：</a:t>
+            </a:r>
+            <a:endParaRPr lang="en-US" altLang="zh-CN" sz="2000" dirty="0">
+              <a:latin typeface="华文细黑" panose="02010600040101010101" pitchFamily="2" charset="-122"/>
+              <a:ea typeface="华文细黑" panose="02010600040101010101" pitchFamily="2" charset="-122"/>
+            </a:endParaRPr>
+          </a:p>
+          <a:p>
+            <a:pPr>
+              <a:lnSpc>
+                <a:spcPct val="150000"/>
+              </a:lnSpc>
+            </a:pPr>
+            <a:r>
+              <a:rPr lang="en-US" altLang="zh-CN" sz="1600" dirty="0">
+                <a:latin typeface="华文细黑" panose="02010600040101010101" pitchFamily="2" charset="-122"/>
+                <a:ea typeface="华文细黑" panose="02010600040101010101" pitchFamily="2" charset="-122"/>
+              </a:rPr>
+              <a:t>start IndentationDetection.exe </a:t>
+            </a:r>
+            <a:r>
+              <a:rPr lang="en-US" altLang="zh-CN" sz="1600" dirty="0" err="1">
+                <a:latin typeface="华文细黑" panose="02010600040101010101" pitchFamily="2" charset="-122"/>
+                <a:ea typeface="华文细黑" panose="02010600040101010101" pitchFamily="2" charset="-122"/>
+              </a:rPr>
+              <a:t>cal_diam_fit</a:t>
+            </a:r>
+            <a:r>
+              <a:rPr lang="en-US" altLang="zh-CN" sz="1600" dirty="0">
+                <a:latin typeface="华文细黑" panose="02010600040101010101" pitchFamily="2" charset="-122"/>
+                <a:ea typeface="华文细黑" panose="02010600040101010101" pitchFamily="2" charset="-122"/>
+              </a:rPr>
+              <a:t> [</a:t>
+            </a:r>
+            <a:r>
+              <a:rPr lang="en-US" altLang="zh-CN" sz="1600" dirty="0" err="1">
+                <a:latin typeface="华文细黑" panose="02010600040101010101" pitchFamily="2" charset="-122"/>
+                <a:ea typeface="华文细黑" panose="02010600040101010101" pitchFamily="2" charset="-122"/>
+              </a:rPr>
+              <a:t>dic</a:t>
+            </a:r>
+            <a:r>
+              <a:rPr lang="en-US" altLang="zh-CN" sz="1600" dirty="0">
+                <a:latin typeface="华文细黑" panose="02010600040101010101" pitchFamily="2" charset="-122"/>
+                <a:ea typeface="华文细黑" panose="02010600040101010101" pitchFamily="2" charset="-122"/>
+              </a:rPr>
+              <a:t>/file] [</a:t>
+            </a:r>
+            <a:r>
+              <a:rPr lang="zh-CN" altLang="en-US" sz="1600" dirty="0">
+                <a:latin typeface="华文细黑" panose="02010600040101010101" pitchFamily="2" charset="-122"/>
+                <a:ea typeface="华文细黑" panose="02010600040101010101" pitchFamily="2" charset="-122"/>
+              </a:rPr>
+              <a:t>输入路径</a:t>
+            </a:r>
+            <a:r>
+              <a:rPr lang="en-US" altLang="zh-CN" sz="1600" dirty="0">
+                <a:latin typeface="华文细黑" panose="02010600040101010101" pitchFamily="2" charset="-122"/>
+                <a:ea typeface="华文细黑" panose="02010600040101010101" pitchFamily="2" charset="-122"/>
+              </a:rPr>
+              <a:t>] [</a:t>
+            </a:r>
+            <a:r>
+              <a:rPr lang="zh-CN" altLang="en-US" sz="1600" dirty="0">
+                <a:latin typeface="华文细黑" panose="02010600040101010101" pitchFamily="2" charset="-122"/>
+                <a:ea typeface="华文细黑" panose="02010600040101010101" pitchFamily="2" charset="-122"/>
+              </a:rPr>
+              <a:t>二值化阈值</a:t>
+            </a:r>
+            <a:r>
+              <a:rPr lang="en-US" altLang="zh-CN" sz="1600" dirty="0">
+                <a:latin typeface="华文细黑" panose="02010600040101010101" pitchFamily="2" charset="-122"/>
+                <a:ea typeface="华文细黑" panose="02010600040101010101" pitchFamily="2" charset="-122"/>
+              </a:rPr>
+              <a:t>/0] [</a:t>
+            </a:r>
+            <a:r>
+              <a:rPr lang="zh-CN" altLang="en-US" sz="1600" dirty="0">
+                <a:latin typeface="华文细黑" panose="02010600040101010101" pitchFamily="2" charset="-122"/>
+                <a:ea typeface="华文细黑" panose="02010600040101010101" pitchFamily="2" charset="-122"/>
+              </a:rPr>
+              <a:t>阈值附近像素数量</a:t>
+            </a:r>
+            <a:r>
+              <a:rPr lang="en-US" altLang="zh-CN" sz="1600" dirty="0">
+                <a:latin typeface="华文细黑" panose="02010600040101010101" pitchFamily="2" charset="-122"/>
+                <a:ea typeface="华文细黑" panose="02010600040101010101" pitchFamily="2" charset="-122"/>
+              </a:rPr>
+              <a:t>] [</a:t>
+            </a:r>
+            <a:r>
+              <a:rPr lang="zh-CN" altLang="en-US" sz="1600" dirty="0">
+                <a:latin typeface="华文细黑" panose="02010600040101010101" pitchFamily="2" charset="-122"/>
+                <a:ea typeface="华文细黑" panose="02010600040101010101" pitchFamily="2" charset="-122"/>
+              </a:rPr>
+              <a:t>浮动范围</a:t>
+            </a:r>
+            <a:r>
+              <a:rPr lang="en-US" altLang="zh-CN" sz="1600" dirty="0">
+                <a:latin typeface="华文细黑" panose="02010600040101010101" pitchFamily="2" charset="-122"/>
+                <a:ea typeface="华文细黑" panose="02010600040101010101" pitchFamily="2" charset="-122"/>
+              </a:rPr>
+              <a:t>] [</a:t>
+            </a:r>
+            <a:r>
+              <a:rPr lang="zh-CN" altLang="en-US" sz="1600" dirty="0">
+                <a:latin typeface="华文细黑" panose="02010600040101010101" pitchFamily="2" charset="-122"/>
+                <a:ea typeface="华文细黑" panose="02010600040101010101" pitchFamily="2" charset="-122"/>
+              </a:rPr>
+              <a:t>像素实际长度</a:t>
+            </a:r>
+            <a:r>
+              <a:rPr lang="en-US" altLang="zh-CN" sz="1600" dirty="0">
+                <a:latin typeface="华文细黑" panose="02010600040101010101" pitchFamily="2" charset="-122"/>
+                <a:ea typeface="华文细黑" panose="02010600040101010101" pitchFamily="2" charset="-122"/>
+              </a:rPr>
+              <a:t>] [</a:t>
+            </a:r>
+            <a:r>
+              <a:rPr lang="zh-CN" altLang="en-US" sz="1600" dirty="0">
+                <a:latin typeface="华文细黑" panose="02010600040101010101" pitchFamily="2" charset="-122"/>
+                <a:ea typeface="华文细黑" panose="02010600040101010101" pitchFamily="2" charset="-122"/>
+              </a:rPr>
+              <a:t>最小半径</a:t>
+            </a:r>
+            <a:r>
+              <a:rPr lang="en-US" altLang="zh-CN" sz="1600" dirty="0">
+                <a:latin typeface="华文细黑" panose="02010600040101010101" pitchFamily="2" charset="-122"/>
+                <a:ea typeface="华文细黑" panose="02010600040101010101" pitchFamily="2" charset="-122"/>
+              </a:rPr>
+              <a:t>] [</a:t>
+            </a:r>
+            <a:r>
+              <a:rPr lang="zh-CN" altLang="en-US" sz="1600" dirty="0">
+                <a:latin typeface="华文细黑" panose="02010600040101010101" pitchFamily="2" charset="-122"/>
+                <a:ea typeface="华文细黑" panose="02010600040101010101" pitchFamily="2" charset="-122"/>
+              </a:rPr>
+              <a:t>最大半径</a:t>
+            </a:r>
+            <a:r>
+              <a:rPr lang="en-US" altLang="zh-CN" sz="1600" dirty="0">
+                <a:latin typeface="华文细黑" panose="02010600040101010101" pitchFamily="2" charset="-122"/>
+                <a:ea typeface="华文细黑" panose="02010600040101010101" pitchFamily="2" charset="-122"/>
+              </a:rPr>
+              <a:t>]</a:t>
+            </a:r>
+          </a:p>
+        </p:txBody>
+      </p:sp>
     </p:spTree>
     <p:extLst>
       <p:ext uri="{BB962C8B-B14F-4D97-AF65-F5344CB8AC3E}">
@@ -5784,6 +6180,2462 @@
           <a:chExt cx="0" cy="0"/>
         </a:xfrm>
       </p:grpSpPr>
+      <p:sp>
+        <p:nvSpPr>
+          <p:cNvPr id="2" name="文本框 1">
+            <a:extLst>
+              <a:ext uri="{FF2B5EF4-FFF2-40B4-BE49-F238E27FC236}">
+                <a16:creationId xmlns:a16="http://schemas.microsoft.com/office/drawing/2014/main" id="{8D9D3C72-A4D7-4D1E-88EE-73CF7BDEC300}"/>
+              </a:ext>
+            </a:extLst>
+          </p:cNvPr>
+          <p:cNvSpPr txBox="1"/>
+          <p:nvPr/>
+        </p:nvSpPr>
+        <p:spPr>
+          <a:xfrm>
+            <a:off x="504548" y="245800"/>
+            <a:ext cx="3321728" cy="584775"/>
+          </a:xfrm>
+          <a:prstGeom prst="rect">
+            <a:avLst/>
+          </a:prstGeom>
+          <a:noFill/>
+        </p:spPr>
+        <p:txBody>
+          <a:bodyPr wrap="square" rtlCol="0">
+            <a:spAutoFit/>
+          </a:bodyPr>
+          <a:lstStyle/>
+          <a:p>
+            <a:r>
+              <a:rPr lang="zh-CN" altLang="en-US" sz="3200" dirty="0">
+                <a:latin typeface="微软雅黑" panose="020B0503020204020204" pitchFamily="34" charset="-122"/>
+                <a:ea typeface="微软雅黑" panose="020B0503020204020204" pitchFamily="34" charset="-122"/>
+              </a:rPr>
+              <a:t>测试结果及精度</a:t>
+            </a:r>
+          </a:p>
+        </p:txBody>
+      </p:sp>
+      <p:graphicFrame>
+        <p:nvGraphicFramePr>
+          <p:cNvPr id="3" name="表格 2">
+            <a:extLst>
+              <a:ext uri="{FF2B5EF4-FFF2-40B4-BE49-F238E27FC236}">
+                <a16:creationId xmlns:a16="http://schemas.microsoft.com/office/drawing/2014/main" id="{9127807D-62F4-48CC-832D-888D03AB6032}"/>
+              </a:ext>
+            </a:extLst>
+          </p:cNvPr>
+          <p:cNvGraphicFramePr>
+            <a:graphicFrameLocks noGrp="1"/>
+          </p:cNvGraphicFramePr>
+          <p:nvPr>
+            <p:extLst>
+              <p:ext uri="{D42A27DB-BD31-4B8C-83A1-F6EECF244321}">
+                <p14:modId xmlns:p14="http://schemas.microsoft.com/office/powerpoint/2010/main" val="2449776412"/>
+              </p:ext>
+            </p:extLst>
+          </p:nvPr>
+        </p:nvGraphicFramePr>
+        <p:xfrm>
+          <a:off x="310719" y="830575"/>
+          <a:ext cx="7812348" cy="5960745"/>
+        </p:xfrm>
+        <a:graphic>
+          <a:graphicData uri="http://schemas.openxmlformats.org/drawingml/2006/table">
+            <a:tbl>
+              <a:tblPr>
+                <a:tableStyleId>{5C22544A-7EE6-4342-B048-85BDC9FD1C3A}</a:tableStyleId>
+              </a:tblPr>
+              <a:tblGrid>
+                <a:gridCol w="1136342">
+                  <a:extLst>
+                    <a:ext uri="{9D8B030D-6E8A-4147-A177-3AD203B41FA5}">
+                      <a16:colId xmlns:a16="http://schemas.microsoft.com/office/drawing/2014/main" val="2033010980"/>
+                    </a:ext>
+                  </a:extLst>
+                </a:gridCol>
+                <a:gridCol w="1136342">
+                  <a:extLst>
+                    <a:ext uri="{9D8B030D-6E8A-4147-A177-3AD203B41FA5}">
+                      <a16:colId xmlns:a16="http://schemas.microsoft.com/office/drawing/2014/main" val="2980251800"/>
+                    </a:ext>
+                  </a:extLst>
+                </a:gridCol>
+                <a:gridCol w="1941250">
+                  <a:extLst>
+                    <a:ext uri="{9D8B030D-6E8A-4147-A177-3AD203B41FA5}">
+                      <a16:colId xmlns:a16="http://schemas.microsoft.com/office/drawing/2014/main" val="3558045460"/>
+                    </a:ext>
+                  </a:extLst>
+                </a:gridCol>
+                <a:gridCol w="2462072">
+                  <a:extLst>
+                    <a:ext uri="{9D8B030D-6E8A-4147-A177-3AD203B41FA5}">
+                      <a16:colId xmlns:a16="http://schemas.microsoft.com/office/drawing/2014/main" val="2205226535"/>
+                    </a:ext>
+                  </a:extLst>
+                </a:gridCol>
+                <a:gridCol w="1136342">
+                  <a:extLst>
+                    <a:ext uri="{9D8B030D-6E8A-4147-A177-3AD203B41FA5}">
+                      <a16:colId xmlns:a16="http://schemas.microsoft.com/office/drawing/2014/main" val="3920625044"/>
+                    </a:ext>
+                  </a:extLst>
+                </a:gridCol>
+              </a:tblGrid>
+              <a:tr h="273940">
+                <a:tc>
+                  <a:txBody>
+                    <a:bodyPr/>
+                    <a:lstStyle/>
+                    <a:p>
+                      <a:pPr algn="ctr" fontAlgn="ctr"/>
+                      <a:r>
+                        <a:rPr lang="zh-CN" altLang="en-US" sz="1800" u="none" strike="noStrike">
+                          <a:effectLst/>
+                        </a:rPr>
+                        <a:t>小孔</a:t>
+                      </a:r>
+                      <a:endParaRPr lang="zh-CN" altLang="en-US" sz="1800" b="0" i="0" u="none" strike="noStrike">
+                        <a:solidFill>
+                          <a:srgbClr val="000000"/>
+                        </a:solidFill>
+                        <a:effectLst/>
+                        <a:latin typeface="等线" panose="02010600030101010101" pitchFamily="2" charset="-122"/>
+                        <a:ea typeface="等线" panose="02010600030101010101" pitchFamily="2" charset="-122"/>
+                      </a:endParaRPr>
+                    </a:p>
+                  </a:txBody>
+                  <a:tcPr marL="9525" marR="9525" marT="9525" marB="0" anchor="ctr"/>
+                </a:tc>
+                <a:tc>
+                  <a:txBody>
+                    <a:bodyPr/>
+                    <a:lstStyle/>
+                    <a:p>
+                      <a:pPr algn="ctr" fontAlgn="ctr"/>
+                      <a:r>
+                        <a:rPr lang="zh-CN" altLang="en-US" sz="1800" u="none" strike="noStrike">
+                          <a:effectLst/>
+                        </a:rPr>
+                        <a:t>次数</a:t>
+                      </a:r>
+                      <a:endParaRPr lang="zh-CN" altLang="en-US" sz="1800" b="0" i="0" u="none" strike="noStrike">
+                        <a:solidFill>
+                          <a:srgbClr val="000000"/>
+                        </a:solidFill>
+                        <a:effectLst/>
+                        <a:latin typeface="等线" panose="02010600030101010101" pitchFamily="2" charset="-122"/>
+                        <a:ea typeface="等线" panose="02010600030101010101" pitchFamily="2" charset="-122"/>
+                      </a:endParaRPr>
+                    </a:p>
+                  </a:txBody>
+                  <a:tcPr marL="9525" marR="9525" marT="9525" marB="0" anchor="ctr"/>
+                </a:tc>
+                <a:tc>
+                  <a:txBody>
+                    <a:bodyPr/>
+                    <a:lstStyle/>
+                    <a:p>
+                      <a:pPr algn="ctr" fontAlgn="ctr"/>
+                      <a:r>
+                        <a:rPr lang="zh-CN" altLang="en-US" sz="1800" u="none" strike="noStrike">
+                          <a:effectLst/>
+                        </a:rPr>
+                        <a:t>算法测量值</a:t>
+                      </a:r>
+                      <a:r>
+                        <a:rPr lang="en-US" altLang="zh-CN" sz="1800" u="none" strike="noStrike">
+                          <a:effectLst/>
+                        </a:rPr>
+                        <a:t>/</a:t>
+                      </a:r>
+                      <a:r>
+                        <a:rPr lang="en-US" sz="1800" u="none" strike="noStrike">
+                          <a:effectLst/>
+                        </a:rPr>
+                        <a:t>mm</a:t>
+                      </a:r>
+                      <a:endParaRPr lang="en-US" sz="1800" b="0" i="0" u="none" strike="noStrike">
+                        <a:solidFill>
+                          <a:srgbClr val="000000"/>
+                        </a:solidFill>
+                        <a:effectLst/>
+                        <a:latin typeface="等线" panose="02010600030101010101" pitchFamily="2" charset="-122"/>
+                        <a:ea typeface="等线" panose="02010600030101010101" pitchFamily="2" charset="-122"/>
+                      </a:endParaRPr>
+                    </a:p>
+                  </a:txBody>
+                  <a:tcPr marL="9525" marR="9525" marT="9525" marB="0" anchor="ctr"/>
+                </a:tc>
+                <a:tc>
+                  <a:txBody>
+                    <a:bodyPr/>
+                    <a:lstStyle/>
+                    <a:p>
+                      <a:pPr algn="ctr" fontAlgn="ctr"/>
+                      <a:r>
+                        <a:rPr lang="zh-CN" altLang="en-US" sz="1800" u="none" strike="noStrike">
+                          <a:effectLst/>
+                        </a:rPr>
+                        <a:t>软件人工测量值</a:t>
+                      </a:r>
+                      <a:r>
+                        <a:rPr lang="en-US" altLang="zh-CN" sz="1800" u="none" strike="noStrike">
+                          <a:effectLst/>
+                        </a:rPr>
+                        <a:t>/mm</a:t>
+                      </a:r>
+                      <a:endParaRPr lang="en-US" altLang="zh-CN" sz="1800" b="0" i="0" u="none" strike="noStrike">
+                        <a:solidFill>
+                          <a:srgbClr val="000000"/>
+                        </a:solidFill>
+                        <a:effectLst/>
+                        <a:latin typeface="等线" panose="02010600030101010101" pitchFamily="2" charset="-122"/>
+                        <a:ea typeface="等线" panose="02010600030101010101" pitchFamily="2" charset="-122"/>
+                      </a:endParaRPr>
+                    </a:p>
+                  </a:txBody>
+                  <a:tcPr marL="9525" marR="9525" marT="9525" marB="0" anchor="ctr"/>
+                </a:tc>
+                <a:tc>
+                  <a:txBody>
+                    <a:bodyPr/>
+                    <a:lstStyle/>
+                    <a:p>
+                      <a:pPr algn="ctr" fontAlgn="ctr"/>
+                      <a:r>
+                        <a:rPr lang="zh-CN" altLang="en-US" sz="1800" u="none" strike="noStrike">
+                          <a:effectLst/>
+                        </a:rPr>
+                        <a:t>误差</a:t>
+                      </a:r>
+                      <a:r>
+                        <a:rPr lang="en-US" altLang="zh-CN" sz="1800" u="none" strike="noStrike">
+                          <a:effectLst/>
+                        </a:rPr>
+                        <a:t>/</a:t>
+                      </a:r>
+                      <a:r>
+                        <a:rPr lang="en-US" sz="1800" u="none" strike="noStrike">
+                          <a:effectLst/>
+                        </a:rPr>
+                        <a:t>mm</a:t>
+                      </a:r>
+                      <a:endParaRPr lang="en-US" sz="1800" b="0" i="0" u="none" strike="noStrike">
+                        <a:solidFill>
+                          <a:srgbClr val="000000"/>
+                        </a:solidFill>
+                        <a:effectLst/>
+                        <a:latin typeface="等线" panose="02010600030101010101" pitchFamily="2" charset="-122"/>
+                        <a:ea typeface="等线" panose="02010600030101010101" pitchFamily="2" charset="-122"/>
+                      </a:endParaRPr>
+                    </a:p>
+                  </a:txBody>
+                  <a:tcPr marL="9525" marR="9525" marT="9525" marB="0" anchor="ctr"/>
+                </a:tc>
+                <a:extLst>
+                  <a:ext uri="{0D108BD9-81ED-4DB2-BD59-A6C34878D82A}">
+                    <a16:rowId xmlns:a16="http://schemas.microsoft.com/office/drawing/2014/main" val="4022604372"/>
+                  </a:ext>
+                </a:extLst>
+              </a:tr>
+              <a:tr h="273940">
+                <a:tc rowSpan="5">
+                  <a:txBody>
+                    <a:bodyPr/>
+                    <a:lstStyle/>
+                    <a:p>
+                      <a:pPr algn="ctr" fontAlgn="ctr"/>
+                      <a:r>
+                        <a:rPr lang="en-US" altLang="zh-CN" sz="1800" u="none" strike="noStrike">
+                          <a:effectLst/>
+                        </a:rPr>
+                        <a:t>26--1</a:t>
+                      </a:r>
+                      <a:endParaRPr lang="en-US" altLang="zh-CN" sz="1800" b="0" i="0" u="none" strike="noStrike">
+                        <a:solidFill>
+                          <a:srgbClr val="000000"/>
+                        </a:solidFill>
+                        <a:effectLst/>
+                        <a:latin typeface="等线" panose="02010600030101010101" pitchFamily="2" charset="-122"/>
+                        <a:ea typeface="等线" panose="02010600030101010101" pitchFamily="2" charset="-122"/>
+                      </a:endParaRPr>
+                    </a:p>
+                  </a:txBody>
+                  <a:tcPr marL="9525" marR="9525" marT="9525" marB="0" anchor="ctr"/>
+                </a:tc>
+                <a:tc>
+                  <a:txBody>
+                    <a:bodyPr/>
+                    <a:lstStyle/>
+                    <a:p>
+                      <a:pPr algn="ctr" fontAlgn="ctr"/>
+                      <a:r>
+                        <a:rPr lang="en-US" altLang="zh-CN" sz="1800" u="none" strike="noStrike">
+                          <a:effectLst/>
+                        </a:rPr>
+                        <a:t>1</a:t>
+                      </a:r>
+                      <a:endParaRPr lang="en-US" altLang="zh-CN" sz="1800" b="0" i="0" u="none" strike="noStrike">
+                        <a:solidFill>
+                          <a:srgbClr val="000000"/>
+                        </a:solidFill>
+                        <a:effectLst/>
+                        <a:latin typeface="等线" panose="02010600030101010101" pitchFamily="2" charset="-122"/>
+                        <a:ea typeface="等线" panose="02010600030101010101" pitchFamily="2" charset="-122"/>
+                      </a:endParaRPr>
+                    </a:p>
+                  </a:txBody>
+                  <a:tcPr marL="9525" marR="9525" marT="9525" marB="0" anchor="ctr"/>
+                </a:tc>
+                <a:tc>
+                  <a:txBody>
+                    <a:bodyPr/>
+                    <a:lstStyle/>
+                    <a:p>
+                      <a:pPr algn="ctr" fontAlgn="ctr"/>
+                      <a:r>
+                        <a:rPr lang="en-US" altLang="zh-CN" sz="1800" u="none" strike="noStrike">
+                          <a:effectLst/>
+                        </a:rPr>
+                        <a:t>3.50625</a:t>
+                      </a:r>
+                      <a:endParaRPr lang="en-US" altLang="zh-CN" sz="1800" b="0" i="0" u="none" strike="noStrike">
+                        <a:solidFill>
+                          <a:srgbClr val="000000"/>
+                        </a:solidFill>
+                        <a:effectLst/>
+                        <a:latin typeface="等线" panose="02010600030101010101" pitchFamily="2" charset="-122"/>
+                        <a:ea typeface="等线" panose="02010600030101010101" pitchFamily="2" charset="-122"/>
+                      </a:endParaRPr>
+                    </a:p>
+                  </a:txBody>
+                  <a:tcPr marL="9525" marR="9525" marT="9525" marB="0" anchor="ctr"/>
+                </a:tc>
+                <a:tc rowSpan="5">
+                  <a:txBody>
+                    <a:bodyPr/>
+                    <a:lstStyle/>
+                    <a:p>
+                      <a:pPr algn="ctr" fontAlgn="ctr"/>
+                      <a:r>
+                        <a:rPr lang="en-US" altLang="zh-CN" sz="1800" u="none" strike="noStrike" dirty="0">
+                          <a:effectLst/>
+                        </a:rPr>
+                        <a:t>3.498</a:t>
+                      </a:r>
+                      <a:endParaRPr lang="en-US" altLang="zh-CN" sz="1800" b="0" i="0" u="none" strike="noStrike" dirty="0">
+                        <a:solidFill>
+                          <a:srgbClr val="000000"/>
+                        </a:solidFill>
+                        <a:effectLst/>
+                        <a:latin typeface="等线" panose="02010600030101010101" pitchFamily="2" charset="-122"/>
+                        <a:ea typeface="等线" panose="02010600030101010101" pitchFamily="2" charset="-122"/>
+                      </a:endParaRPr>
+                    </a:p>
+                  </a:txBody>
+                  <a:tcPr marL="9525" marR="9525" marT="9525" marB="0" anchor="ctr"/>
+                </a:tc>
+                <a:tc>
+                  <a:txBody>
+                    <a:bodyPr/>
+                    <a:lstStyle/>
+                    <a:p>
+                      <a:pPr algn="ctr" fontAlgn="ctr"/>
+                      <a:r>
+                        <a:rPr lang="en-US" altLang="zh-CN" sz="1800" u="none" strike="noStrike">
+                          <a:effectLst/>
+                        </a:rPr>
+                        <a:t>0.00825</a:t>
+                      </a:r>
+                      <a:endParaRPr lang="en-US" altLang="zh-CN" sz="1800" b="0" i="0" u="none" strike="noStrike">
+                        <a:solidFill>
+                          <a:srgbClr val="000000"/>
+                        </a:solidFill>
+                        <a:effectLst/>
+                        <a:latin typeface="等线" panose="02010600030101010101" pitchFamily="2" charset="-122"/>
+                        <a:ea typeface="等线" panose="02010600030101010101" pitchFamily="2" charset="-122"/>
+                      </a:endParaRPr>
+                    </a:p>
+                  </a:txBody>
+                  <a:tcPr marL="9525" marR="9525" marT="9525" marB="0" anchor="ctr"/>
+                </a:tc>
+                <a:extLst>
+                  <a:ext uri="{0D108BD9-81ED-4DB2-BD59-A6C34878D82A}">
+                    <a16:rowId xmlns:a16="http://schemas.microsoft.com/office/drawing/2014/main" val="2181559575"/>
+                  </a:ext>
+                </a:extLst>
+              </a:tr>
+              <a:tr h="273940">
+                <a:tc vMerge="1">
+                  <a:txBody>
+                    <a:bodyPr/>
+                    <a:lstStyle/>
+                    <a:p>
+                      <a:endParaRPr lang="zh-CN" altLang="en-US"/>
+                    </a:p>
+                  </a:txBody>
+                  <a:tcPr/>
+                </a:tc>
+                <a:tc>
+                  <a:txBody>
+                    <a:bodyPr/>
+                    <a:lstStyle/>
+                    <a:p>
+                      <a:pPr algn="ctr" fontAlgn="ctr"/>
+                      <a:r>
+                        <a:rPr lang="en-US" altLang="zh-CN" sz="1800" u="none" strike="noStrike">
+                          <a:effectLst/>
+                        </a:rPr>
+                        <a:t>2</a:t>
+                      </a:r>
+                      <a:endParaRPr lang="en-US" altLang="zh-CN" sz="1800" b="0" i="0" u="none" strike="noStrike">
+                        <a:solidFill>
+                          <a:srgbClr val="000000"/>
+                        </a:solidFill>
+                        <a:effectLst/>
+                        <a:latin typeface="等线" panose="02010600030101010101" pitchFamily="2" charset="-122"/>
+                        <a:ea typeface="等线" panose="02010600030101010101" pitchFamily="2" charset="-122"/>
+                      </a:endParaRPr>
+                    </a:p>
+                  </a:txBody>
+                  <a:tcPr marL="9525" marR="9525" marT="9525" marB="0" anchor="ctr"/>
+                </a:tc>
+                <a:tc>
+                  <a:txBody>
+                    <a:bodyPr/>
+                    <a:lstStyle/>
+                    <a:p>
+                      <a:pPr algn="ctr" fontAlgn="ctr"/>
+                      <a:r>
+                        <a:rPr lang="en-US" altLang="zh-CN" sz="1800" u="none" strike="noStrike">
+                          <a:effectLst/>
+                        </a:rPr>
+                        <a:t>3.50776</a:t>
+                      </a:r>
+                      <a:endParaRPr lang="en-US" altLang="zh-CN" sz="1800" b="0" i="0" u="none" strike="noStrike">
+                        <a:solidFill>
+                          <a:srgbClr val="000000"/>
+                        </a:solidFill>
+                        <a:effectLst/>
+                        <a:latin typeface="等线" panose="02010600030101010101" pitchFamily="2" charset="-122"/>
+                        <a:ea typeface="等线" panose="02010600030101010101" pitchFamily="2" charset="-122"/>
+                      </a:endParaRPr>
+                    </a:p>
+                  </a:txBody>
+                  <a:tcPr marL="9525" marR="9525" marT="9525" marB="0" anchor="ctr"/>
+                </a:tc>
+                <a:tc vMerge="1">
+                  <a:txBody>
+                    <a:bodyPr/>
+                    <a:lstStyle/>
+                    <a:p>
+                      <a:endParaRPr lang="zh-CN" altLang="en-US"/>
+                    </a:p>
+                  </a:txBody>
+                  <a:tcPr/>
+                </a:tc>
+                <a:tc>
+                  <a:txBody>
+                    <a:bodyPr/>
+                    <a:lstStyle/>
+                    <a:p>
+                      <a:pPr algn="ctr" fontAlgn="ctr"/>
+                      <a:r>
+                        <a:rPr lang="en-US" altLang="zh-CN" sz="1800" u="none" strike="noStrike">
+                          <a:effectLst/>
+                        </a:rPr>
+                        <a:t>0.00976</a:t>
+                      </a:r>
+                      <a:endParaRPr lang="en-US" altLang="zh-CN" sz="1800" b="0" i="0" u="none" strike="noStrike">
+                        <a:solidFill>
+                          <a:srgbClr val="000000"/>
+                        </a:solidFill>
+                        <a:effectLst/>
+                        <a:latin typeface="等线" panose="02010600030101010101" pitchFamily="2" charset="-122"/>
+                        <a:ea typeface="等线" panose="02010600030101010101" pitchFamily="2" charset="-122"/>
+                      </a:endParaRPr>
+                    </a:p>
+                  </a:txBody>
+                  <a:tcPr marL="9525" marR="9525" marT="9525" marB="0" anchor="ctr"/>
+                </a:tc>
+                <a:extLst>
+                  <a:ext uri="{0D108BD9-81ED-4DB2-BD59-A6C34878D82A}">
+                    <a16:rowId xmlns:a16="http://schemas.microsoft.com/office/drawing/2014/main" val="108931633"/>
+                  </a:ext>
+                </a:extLst>
+              </a:tr>
+              <a:tr h="273940">
+                <a:tc vMerge="1">
+                  <a:txBody>
+                    <a:bodyPr/>
+                    <a:lstStyle/>
+                    <a:p>
+                      <a:endParaRPr lang="zh-CN" altLang="en-US"/>
+                    </a:p>
+                  </a:txBody>
+                  <a:tcPr/>
+                </a:tc>
+                <a:tc>
+                  <a:txBody>
+                    <a:bodyPr/>
+                    <a:lstStyle/>
+                    <a:p>
+                      <a:pPr algn="ctr" fontAlgn="ctr"/>
+                      <a:r>
+                        <a:rPr lang="en-US" altLang="zh-CN" sz="1800" u="none" strike="noStrike">
+                          <a:effectLst/>
+                        </a:rPr>
+                        <a:t>3</a:t>
+                      </a:r>
+                      <a:endParaRPr lang="en-US" altLang="zh-CN" sz="1800" b="0" i="0" u="none" strike="noStrike">
+                        <a:solidFill>
+                          <a:srgbClr val="000000"/>
+                        </a:solidFill>
+                        <a:effectLst/>
+                        <a:latin typeface="等线" panose="02010600030101010101" pitchFamily="2" charset="-122"/>
+                        <a:ea typeface="等线" panose="02010600030101010101" pitchFamily="2" charset="-122"/>
+                      </a:endParaRPr>
+                    </a:p>
+                  </a:txBody>
+                  <a:tcPr marL="9525" marR="9525" marT="9525" marB="0" anchor="ctr"/>
+                </a:tc>
+                <a:tc>
+                  <a:txBody>
+                    <a:bodyPr/>
+                    <a:lstStyle/>
+                    <a:p>
+                      <a:pPr algn="ctr" fontAlgn="ctr"/>
+                      <a:r>
+                        <a:rPr lang="en-US" altLang="zh-CN" sz="1800" u="none" strike="noStrike">
+                          <a:effectLst/>
+                        </a:rPr>
+                        <a:t>3.5032</a:t>
+                      </a:r>
+                      <a:endParaRPr lang="en-US" altLang="zh-CN" sz="1800" b="0" i="0" u="none" strike="noStrike">
+                        <a:solidFill>
+                          <a:srgbClr val="000000"/>
+                        </a:solidFill>
+                        <a:effectLst/>
+                        <a:latin typeface="等线" panose="02010600030101010101" pitchFamily="2" charset="-122"/>
+                        <a:ea typeface="等线" panose="02010600030101010101" pitchFamily="2" charset="-122"/>
+                      </a:endParaRPr>
+                    </a:p>
+                  </a:txBody>
+                  <a:tcPr marL="9525" marR="9525" marT="9525" marB="0" anchor="ctr"/>
+                </a:tc>
+                <a:tc vMerge="1">
+                  <a:txBody>
+                    <a:bodyPr/>
+                    <a:lstStyle/>
+                    <a:p>
+                      <a:endParaRPr lang="zh-CN" altLang="en-US"/>
+                    </a:p>
+                  </a:txBody>
+                  <a:tcPr/>
+                </a:tc>
+                <a:tc>
+                  <a:txBody>
+                    <a:bodyPr/>
+                    <a:lstStyle/>
+                    <a:p>
+                      <a:pPr algn="ctr" fontAlgn="ctr"/>
+                      <a:r>
+                        <a:rPr lang="en-US" altLang="zh-CN" sz="1800" u="none" strike="noStrike">
+                          <a:effectLst/>
+                        </a:rPr>
+                        <a:t>0.0052</a:t>
+                      </a:r>
+                      <a:endParaRPr lang="en-US" altLang="zh-CN" sz="1800" b="0" i="0" u="none" strike="noStrike">
+                        <a:solidFill>
+                          <a:srgbClr val="000000"/>
+                        </a:solidFill>
+                        <a:effectLst/>
+                        <a:latin typeface="等线" panose="02010600030101010101" pitchFamily="2" charset="-122"/>
+                        <a:ea typeface="等线" panose="02010600030101010101" pitchFamily="2" charset="-122"/>
+                      </a:endParaRPr>
+                    </a:p>
+                  </a:txBody>
+                  <a:tcPr marL="9525" marR="9525" marT="9525" marB="0" anchor="ctr"/>
+                </a:tc>
+                <a:extLst>
+                  <a:ext uri="{0D108BD9-81ED-4DB2-BD59-A6C34878D82A}">
+                    <a16:rowId xmlns:a16="http://schemas.microsoft.com/office/drawing/2014/main" val="226842381"/>
+                  </a:ext>
+                </a:extLst>
+              </a:tr>
+              <a:tr h="273940">
+                <a:tc vMerge="1">
+                  <a:txBody>
+                    <a:bodyPr/>
+                    <a:lstStyle/>
+                    <a:p>
+                      <a:endParaRPr lang="zh-CN" altLang="en-US"/>
+                    </a:p>
+                  </a:txBody>
+                  <a:tcPr/>
+                </a:tc>
+                <a:tc>
+                  <a:txBody>
+                    <a:bodyPr/>
+                    <a:lstStyle/>
+                    <a:p>
+                      <a:pPr algn="ctr" fontAlgn="ctr"/>
+                      <a:r>
+                        <a:rPr lang="en-US" altLang="zh-CN" sz="1800" u="none" strike="noStrike">
+                          <a:effectLst/>
+                        </a:rPr>
+                        <a:t>4</a:t>
+                      </a:r>
+                      <a:endParaRPr lang="en-US" altLang="zh-CN" sz="1800" b="0" i="0" u="none" strike="noStrike">
+                        <a:solidFill>
+                          <a:srgbClr val="000000"/>
+                        </a:solidFill>
+                        <a:effectLst/>
+                        <a:latin typeface="等线" panose="02010600030101010101" pitchFamily="2" charset="-122"/>
+                        <a:ea typeface="等线" panose="02010600030101010101" pitchFamily="2" charset="-122"/>
+                      </a:endParaRPr>
+                    </a:p>
+                  </a:txBody>
+                  <a:tcPr marL="9525" marR="9525" marT="9525" marB="0" anchor="ctr"/>
+                </a:tc>
+                <a:tc>
+                  <a:txBody>
+                    <a:bodyPr/>
+                    <a:lstStyle/>
+                    <a:p>
+                      <a:pPr algn="ctr" fontAlgn="ctr"/>
+                      <a:r>
+                        <a:rPr lang="en-US" altLang="zh-CN" sz="1800" u="none" strike="noStrike">
+                          <a:effectLst/>
+                        </a:rPr>
+                        <a:t>3.50513</a:t>
+                      </a:r>
+                      <a:endParaRPr lang="en-US" altLang="zh-CN" sz="1800" b="0" i="0" u="none" strike="noStrike">
+                        <a:solidFill>
+                          <a:srgbClr val="000000"/>
+                        </a:solidFill>
+                        <a:effectLst/>
+                        <a:latin typeface="等线" panose="02010600030101010101" pitchFamily="2" charset="-122"/>
+                        <a:ea typeface="等线" panose="02010600030101010101" pitchFamily="2" charset="-122"/>
+                      </a:endParaRPr>
+                    </a:p>
+                  </a:txBody>
+                  <a:tcPr marL="9525" marR="9525" marT="9525" marB="0" anchor="ctr"/>
+                </a:tc>
+                <a:tc vMerge="1">
+                  <a:txBody>
+                    <a:bodyPr/>
+                    <a:lstStyle/>
+                    <a:p>
+                      <a:endParaRPr lang="zh-CN" altLang="en-US"/>
+                    </a:p>
+                  </a:txBody>
+                  <a:tcPr/>
+                </a:tc>
+                <a:tc>
+                  <a:txBody>
+                    <a:bodyPr/>
+                    <a:lstStyle/>
+                    <a:p>
+                      <a:pPr algn="ctr" fontAlgn="ctr"/>
+                      <a:r>
+                        <a:rPr lang="en-US" altLang="zh-CN" sz="1800" u="none" strike="noStrike">
+                          <a:effectLst/>
+                        </a:rPr>
+                        <a:t>0.00713</a:t>
+                      </a:r>
+                      <a:endParaRPr lang="en-US" altLang="zh-CN" sz="1800" b="0" i="0" u="none" strike="noStrike">
+                        <a:solidFill>
+                          <a:srgbClr val="000000"/>
+                        </a:solidFill>
+                        <a:effectLst/>
+                        <a:latin typeface="等线" panose="02010600030101010101" pitchFamily="2" charset="-122"/>
+                        <a:ea typeface="等线" panose="02010600030101010101" pitchFamily="2" charset="-122"/>
+                      </a:endParaRPr>
+                    </a:p>
+                  </a:txBody>
+                  <a:tcPr marL="9525" marR="9525" marT="9525" marB="0" anchor="ctr"/>
+                </a:tc>
+                <a:extLst>
+                  <a:ext uri="{0D108BD9-81ED-4DB2-BD59-A6C34878D82A}">
+                    <a16:rowId xmlns:a16="http://schemas.microsoft.com/office/drawing/2014/main" val="1611526585"/>
+                  </a:ext>
+                </a:extLst>
+              </a:tr>
+              <a:tr h="273940">
+                <a:tc vMerge="1">
+                  <a:txBody>
+                    <a:bodyPr/>
+                    <a:lstStyle/>
+                    <a:p>
+                      <a:endParaRPr lang="zh-CN" altLang="en-US"/>
+                    </a:p>
+                  </a:txBody>
+                  <a:tcPr/>
+                </a:tc>
+                <a:tc>
+                  <a:txBody>
+                    <a:bodyPr/>
+                    <a:lstStyle/>
+                    <a:p>
+                      <a:pPr algn="ctr" fontAlgn="ctr"/>
+                      <a:r>
+                        <a:rPr lang="en-US" altLang="zh-CN" sz="1800" u="none" strike="noStrike">
+                          <a:effectLst/>
+                        </a:rPr>
+                        <a:t>5</a:t>
+                      </a:r>
+                      <a:endParaRPr lang="en-US" altLang="zh-CN" sz="1800" b="0" i="0" u="none" strike="noStrike">
+                        <a:solidFill>
+                          <a:srgbClr val="000000"/>
+                        </a:solidFill>
+                        <a:effectLst/>
+                        <a:latin typeface="等线" panose="02010600030101010101" pitchFamily="2" charset="-122"/>
+                        <a:ea typeface="等线" panose="02010600030101010101" pitchFamily="2" charset="-122"/>
+                      </a:endParaRPr>
+                    </a:p>
+                  </a:txBody>
+                  <a:tcPr marL="9525" marR="9525" marT="9525" marB="0" anchor="ctr"/>
+                </a:tc>
+                <a:tc>
+                  <a:txBody>
+                    <a:bodyPr/>
+                    <a:lstStyle/>
+                    <a:p>
+                      <a:pPr algn="ctr" fontAlgn="ctr"/>
+                      <a:r>
+                        <a:rPr lang="en-US" altLang="zh-CN" sz="1800" u="none" strike="noStrike">
+                          <a:effectLst/>
+                        </a:rPr>
+                        <a:t>3.50462</a:t>
+                      </a:r>
+                      <a:endParaRPr lang="en-US" altLang="zh-CN" sz="1800" b="0" i="0" u="none" strike="noStrike">
+                        <a:solidFill>
+                          <a:srgbClr val="000000"/>
+                        </a:solidFill>
+                        <a:effectLst/>
+                        <a:latin typeface="等线" panose="02010600030101010101" pitchFamily="2" charset="-122"/>
+                        <a:ea typeface="等线" panose="02010600030101010101" pitchFamily="2" charset="-122"/>
+                      </a:endParaRPr>
+                    </a:p>
+                  </a:txBody>
+                  <a:tcPr marL="9525" marR="9525" marT="9525" marB="0" anchor="ctr"/>
+                </a:tc>
+                <a:tc vMerge="1">
+                  <a:txBody>
+                    <a:bodyPr/>
+                    <a:lstStyle/>
+                    <a:p>
+                      <a:endParaRPr lang="zh-CN" altLang="en-US"/>
+                    </a:p>
+                  </a:txBody>
+                  <a:tcPr/>
+                </a:tc>
+                <a:tc>
+                  <a:txBody>
+                    <a:bodyPr/>
+                    <a:lstStyle/>
+                    <a:p>
+                      <a:pPr algn="ctr" fontAlgn="ctr"/>
+                      <a:r>
+                        <a:rPr lang="en-US" altLang="zh-CN" sz="1800" u="none" strike="noStrike">
+                          <a:effectLst/>
+                        </a:rPr>
+                        <a:t>0.00662</a:t>
+                      </a:r>
+                      <a:endParaRPr lang="en-US" altLang="zh-CN" sz="1800" b="0" i="0" u="none" strike="noStrike">
+                        <a:solidFill>
+                          <a:srgbClr val="000000"/>
+                        </a:solidFill>
+                        <a:effectLst/>
+                        <a:latin typeface="等线" panose="02010600030101010101" pitchFamily="2" charset="-122"/>
+                        <a:ea typeface="等线" panose="02010600030101010101" pitchFamily="2" charset="-122"/>
+                      </a:endParaRPr>
+                    </a:p>
+                  </a:txBody>
+                  <a:tcPr marL="9525" marR="9525" marT="9525" marB="0" anchor="ctr"/>
+                </a:tc>
+                <a:extLst>
+                  <a:ext uri="{0D108BD9-81ED-4DB2-BD59-A6C34878D82A}">
+                    <a16:rowId xmlns:a16="http://schemas.microsoft.com/office/drawing/2014/main" val="3948814583"/>
+                  </a:ext>
+                </a:extLst>
+              </a:tr>
+              <a:tr h="273940">
+                <a:tc rowSpan="5">
+                  <a:txBody>
+                    <a:bodyPr/>
+                    <a:lstStyle/>
+                    <a:p>
+                      <a:pPr algn="ctr" fontAlgn="ctr"/>
+                      <a:r>
+                        <a:rPr lang="zh-CN" altLang="en-US" sz="1800" u="none" strike="noStrike">
+                          <a:effectLst/>
+                        </a:rPr>
+                        <a:t> </a:t>
+                      </a:r>
+                      <a:r>
+                        <a:rPr lang="en-US" altLang="zh-CN" sz="1800" u="none" strike="noStrike">
+                          <a:effectLst/>
+                        </a:rPr>
+                        <a:t>26--2</a:t>
+                      </a:r>
+                      <a:endParaRPr lang="en-US" altLang="zh-CN" sz="1800" b="0" i="0" u="none" strike="noStrike">
+                        <a:solidFill>
+                          <a:srgbClr val="000000"/>
+                        </a:solidFill>
+                        <a:effectLst/>
+                        <a:latin typeface="等线" panose="02010600030101010101" pitchFamily="2" charset="-122"/>
+                        <a:ea typeface="等线" panose="02010600030101010101" pitchFamily="2" charset="-122"/>
+                      </a:endParaRPr>
+                    </a:p>
+                  </a:txBody>
+                  <a:tcPr marL="9525" marR="9525" marT="9525" marB="0" anchor="ctr"/>
+                </a:tc>
+                <a:tc>
+                  <a:txBody>
+                    <a:bodyPr/>
+                    <a:lstStyle/>
+                    <a:p>
+                      <a:pPr algn="ctr" fontAlgn="ctr"/>
+                      <a:r>
+                        <a:rPr lang="en-US" altLang="zh-CN" sz="1800" u="none" strike="noStrike">
+                          <a:effectLst/>
+                        </a:rPr>
+                        <a:t>1</a:t>
+                      </a:r>
+                      <a:endParaRPr lang="en-US" altLang="zh-CN" sz="1800" b="0" i="0" u="none" strike="noStrike">
+                        <a:solidFill>
+                          <a:srgbClr val="000000"/>
+                        </a:solidFill>
+                        <a:effectLst/>
+                        <a:latin typeface="等线" panose="02010600030101010101" pitchFamily="2" charset="-122"/>
+                        <a:ea typeface="等线" panose="02010600030101010101" pitchFamily="2" charset="-122"/>
+                      </a:endParaRPr>
+                    </a:p>
+                  </a:txBody>
+                  <a:tcPr marL="9525" marR="9525" marT="9525" marB="0" anchor="ctr"/>
+                </a:tc>
+                <a:tc>
+                  <a:txBody>
+                    <a:bodyPr/>
+                    <a:lstStyle/>
+                    <a:p>
+                      <a:pPr algn="ctr" fontAlgn="ctr"/>
+                      <a:r>
+                        <a:rPr lang="en-US" altLang="zh-CN" sz="1800" u="none" strike="noStrike">
+                          <a:effectLst/>
+                        </a:rPr>
+                        <a:t>3.50623</a:t>
+                      </a:r>
+                      <a:endParaRPr lang="en-US" altLang="zh-CN" sz="1800" b="0" i="0" u="none" strike="noStrike">
+                        <a:solidFill>
+                          <a:srgbClr val="000000"/>
+                        </a:solidFill>
+                        <a:effectLst/>
+                        <a:latin typeface="等线" panose="02010600030101010101" pitchFamily="2" charset="-122"/>
+                        <a:ea typeface="等线" panose="02010600030101010101" pitchFamily="2" charset="-122"/>
+                      </a:endParaRPr>
+                    </a:p>
+                  </a:txBody>
+                  <a:tcPr marL="9525" marR="9525" marT="9525" marB="0" anchor="ctr"/>
+                </a:tc>
+                <a:tc rowSpan="5">
+                  <a:txBody>
+                    <a:bodyPr/>
+                    <a:lstStyle/>
+                    <a:p>
+                      <a:pPr algn="ctr" fontAlgn="ctr"/>
+                      <a:r>
+                        <a:rPr lang="en-US" altLang="zh-CN" sz="1800" u="none" strike="noStrike">
+                          <a:effectLst/>
+                        </a:rPr>
+                        <a:t>3.506</a:t>
+                      </a:r>
+                      <a:endParaRPr lang="en-US" altLang="zh-CN" sz="1800" b="0" i="0" u="none" strike="noStrike">
+                        <a:solidFill>
+                          <a:srgbClr val="000000"/>
+                        </a:solidFill>
+                        <a:effectLst/>
+                        <a:latin typeface="等线" panose="02010600030101010101" pitchFamily="2" charset="-122"/>
+                        <a:ea typeface="等线" panose="02010600030101010101" pitchFamily="2" charset="-122"/>
+                      </a:endParaRPr>
+                    </a:p>
+                  </a:txBody>
+                  <a:tcPr marL="9525" marR="9525" marT="9525" marB="0" anchor="ctr"/>
+                </a:tc>
+                <a:tc>
+                  <a:txBody>
+                    <a:bodyPr/>
+                    <a:lstStyle/>
+                    <a:p>
+                      <a:pPr algn="ctr" fontAlgn="ctr"/>
+                      <a:r>
+                        <a:rPr lang="en-US" altLang="zh-CN" sz="1800" u="none" strike="noStrike">
+                          <a:effectLst/>
+                        </a:rPr>
+                        <a:t>0.00023</a:t>
+                      </a:r>
+                      <a:endParaRPr lang="en-US" altLang="zh-CN" sz="1800" b="0" i="0" u="none" strike="noStrike">
+                        <a:solidFill>
+                          <a:srgbClr val="000000"/>
+                        </a:solidFill>
+                        <a:effectLst/>
+                        <a:latin typeface="等线" panose="02010600030101010101" pitchFamily="2" charset="-122"/>
+                        <a:ea typeface="等线" panose="02010600030101010101" pitchFamily="2" charset="-122"/>
+                      </a:endParaRPr>
+                    </a:p>
+                  </a:txBody>
+                  <a:tcPr marL="9525" marR="9525" marT="9525" marB="0" anchor="ctr"/>
+                </a:tc>
+                <a:extLst>
+                  <a:ext uri="{0D108BD9-81ED-4DB2-BD59-A6C34878D82A}">
+                    <a16:rowId xmlns:a16="http://schemas.microsoft.com/office/drawing/2014/main" val="1884086074"/>
+                  </a:ext>
+                </a:extLst>
+              </a:tr>
+              <a:tr h="273940">
+                <a:tc vMerge="1">
+                  <a:txBody>
+                    <a:bodyPr/>
+                    <a:lstStyle/>
+                    <a:p>
+                      <a:endParaRPr lang="zh-CN" altLang="en-US"/>
+                    </a:p>
+                  </a:txBody>
+                  <a:tcPr/>
+                </a:tc>
+                <a:tc>
+                  <a:txBody>
+                    <a:bodyPr/>
+                    <a:lstStyle/>
+                    <a:p>
+                      <a:pPr algn="ctr" fontAlgn="ctr"/>
+                      <a:r>
+                        <a:rPr lang="en-US" altLang="zh-CN" sz="1800" u="none" strike="noStrike">
+                          <a:effectLst/>
+                        </a:rPr>
+                        <a:t>2</a:t>
+                      </a:r>
+                      <a:endParaRPr lang="en-US" altLang="zh-CN" sz="1800" b="0" i="0" u="none" strike="noStrike">
+                        <a:solidFill>
+                          <a:srgbClr val="000000"/>
+                        </a:solidFill>
+                        <a:effectLst/>
+                        <a:latin typeface="等线" panose="02010600030101010101" pitchFamily="2" charset="-122"/>
+                        <a:ea typeface="等线" panose="02010600030101010101" pitchFamily="2" charset="-122"/>
+                      </a:endParaRPr>
+                    </a:p>
+                  </a:txBody>
+                  <a:tcPr marL="9525" marR="9525" marT="9525" marB="0" anchor="ctr"/>
+                </a:tc>
+                <a:tc>
+                  <a:txBody>
+                    <a:bodyPr/>
+                    <a:lstStyle/>
+                    <a:p>
+                      <a:pPr algn="ctr" fontAlgn="ctr"/>
+                      <a:r>
+                        <a:rPr lang="en-US" altLang="zh-CN" sz="1800" u="none" strike="noStrike">
+                          <a:effectLst/>
+                        </a:rPr>
+                        <a:t>3.51041</a:t>
+                      </a:r>
+                      <a:endParaRPr lang="en-US" altLang="zh-CN" sz="1800" b="0" i="0" u="none" strike="noStrike">
+                        <a:solidFill>
+                          <a:srgbClr val="000000"/>
+                        </a:solidFill>
+                        <a:effectLst/>
+                        <a:latin typeface="等线" panose="02010600030101010101" pitchFamily="2" charset="-122"/>
+                        <a:ea typeface="等线" panose="02010600030101010101" pitchFamily="2" charset="-122"/>
+                      </a:endParaRPr>
+                    </a:p>
+                  </a:txBody>
+                  <a:tcPr marL="9525" marR="9525" marT="9525" marB="0" anchor="ctr"/>
+                </a:tc>
+                <a:tc vMerge="1">
+                  <a:txBody>
+                    <a:bodyPr/>
+                    <a:lstStyle/>
+                    <a:p>
+                      <a:endParaRPr lang="zh-CN" altLang="en-US"/>
+                    </a:p>
+                  </a:txBody>
+                  <a:tcPr/>
+                </a:tc>
+                <a:tc>
+                  <a:txBody>
+                    <a:bodyPr/>
+                    <a:lstStyle/>
+                    <a:p>
+                      <a:pPr algn="ctr" fontAlgn="ctr"/>
+                      <a:r>
+                        <a:rPr lang="en-US" altLang="zh-CN" sz="1800" u="none" strike="noStrike">
+                          <a:effectLst/>
+                        </a:rPr>
+                        <a:t>0.00441</a:t>
+                      </a:r>
+                      <a:endParaRPr lang="en-US" altLang="zh-CN" sz="1800" b="0" i="0" u="none" strike="noStrike">
+                        <a:solidFill>
+                          <a:srgbClr val="000000"/>
+                        </a:solidFill>
+                        <a:effectLst/>
+                        <a:latin typeface="等线" panose="02010600030101010101" pitchFamily="2" charset="-122"/>
+                        <a:ea typeface="等线" panose="02010600030101010101" pitchFamily="2" charset="-122"/>
+                      </a:endParaRPr>
+                    </a:p>
+                  </a:txBody>
+                  <a:tcPr marL="9525" marR="9525" marT="9525" marB="0" anchor="ctr"/>
+                </a:tc>
+                <a:extLst>
+                  <a:ext uri="{0D108BD9-81ED-4DB2-BD59-A6C34878D82A}">
+                    <a16:rowId xmlns:a16="http://schemas.microsoft.com/office/drawing/2014/main" val="481192193"/>
+                  </a:ext>
+                </a:extLst>
+              </a:tr>
+              <a:tr h="273940">
+                <a:tc vMerge="1">
+                  <a:txBody>
+                    <a:bodyPr/>
+                    <a:lstStyle/>
+                    <a:p>
+                      <a:endParaRPr lang="zh-CN" altLang="en-US"/>
+                    </a:p>
+                  </a:txBody>
+                  <a:tcPr/>
+                </a:tc>
+                <a:tc>
+                  <a:txBody>
+                    <a:bodyPr/>
+                    <a:lstStyle/>
+                    <a:p>
+                      <a:pPr algn="ctr" fontAlgn="ctr"/>
+                      <a:r>
+                        <a:rPr lang="en-US" altLang="zh-CN" sz="1800" u="none" strike="noStrike">
+                          <a:effectLst/>
+                        </a:rPr>
+                        <a:t>3</a:t>
+                      </a:r>
+                      <a:endParaRPr lang="en-US" altLang="zh-CN" sz="1800" b="0" i="0" u="none" strike="noStrike">
+                        <a:solidFill>
+                          <a:srgbClr val="000000"/>
+                        </a:solidFill>
+                        <a:effectLst/>
+                        <a:latin typeface="等线" panose="02010600030101010101" pitchFamily="2" charset="-122"/>
+                        <a:ea typeface="等线" panose="02010600030101010101" pitchFamily="2" charset="-122"/>
+                      </a:endParaRPr>
+                    </a:p>
+                  </a:txBody>
+                  <a:tcPr marL="9525" marR="9525" marT="9525" marB="0" anchor="ctr"/>
+                </a:tc>
+                <a:tc>
+                  <a:txBody>
+                    <a:bodyPr/>
+                    <a:lstStyle/>
+                    <a:p>
+                      <a:pPr algn="ctr" fontAlgn="ctr"/>
+                      <a:r>
+                        <a:rPr lang="en-US" altLang="zh-CN" sz="1800" u="none" strike="noStrike">
+                          <a:effectLst/>
+                        </a:rPr>
+                        <a:t>3.51251</a:t>
+                      </a:r>
+                      <a:endParaRPr lang="en-US" altLang="zh-CN" sz="1800" b="0" i="0" u="none" strike="noStrike">
+                        <a:solidFill>
+                          <a:srgbClr val="000000"/>
+                        </a:solidFill>
+                        <a:effectLst/>
+                        <a:latin typeface="等线" panose="02010600030101010101" pitchFamily="2" charset="-122"/>
+                        <a:ea typeface="等线" panose="02010600030101010101" pitchFamily="2" charset="-122"/>
+                      </a:endParaRPr>
+                    </a:p>
+                  </a:txBody>
+                  <a:tcPr marL="9525" marR="9525" marT="9525" marB="0" anchor="ctr"/>
+                </a:tc>
+                <a:tc vMerge="1">
+                  <a:txBody>
+                    <a:bodyPr/>
+                    <a:lstStyle/>
+                    <a:p>
+                      <a:endParaRPr lang="zh-CN" altLang="en-US"/>
+                    </a:p>
+                  </a:txBody>
+                  <a:tcPr/>
+                </a:tc>
+                <a:tc>
+                  <a:txBody>
+                    <a:bodyPr/>
+                    <a:lstStyle/>
+                    <a:p>
+                      <a:pPr algn="ctr" fontAlgn="ctr"/>
+                      <a:r>
+                        <a:rPr lang="en-US" altLang="zh-CN" sz="1800" u="none" strike="noStrike">
+                          <a:effectLst/>
+                        </a:rPr>
+                        <a:t>0.00651</a:t>
+                      </a:r>
+                      <a:endParaRPr lang="en-US" altLang="zh-CN" sz="1800" b="0" i="0" u="none" strike="noStrike">
+                        <a:solidFill>
+                          <a:srgbClr val="000000"/>
+                        </a:solidFill>
+                        <a:effectLst/>
+                        <a:latin typeface="等线" panose="02010600030101010101" pitchFamily="2" charset="-122"/>
+                        <a:ea typeface="等线" panose="02010600030101010101" pitchFamily="2" charset="-122"/>
+                      </a:endParaRPr>
+                    </a:p>
+                  </a:txBody>
+                  <a:tcPr marL="9525" marR="9525" marT="9525" marB="0" anchor="ctr"/>
+                </a:tc>
+                <a:extLst>
+                  <a:ext uri="{0D108BD9-81ED-4DB2-BD59-A6C34878D82A}">
+                    <a16:rowId xmlns:a16="http://schemas.microsoft.com/office/drawing/2014/main" val="1064310024"/>
+                  </a:ext>
+                </a:extLst>
+              </a:tr>
+              <a:tr h="273940">
+                <a:tc vMerge="1">
+                  <a:txBody>
+                    <a:bodyPr/>
+                    <a:lstStyle/>
+                    <a:p>
+                      <a:endParaRPr lang="zh-CN" altLang="en-US"/>
+                    </a:p>
+                  </a:txBody>
+                  <a:tcPr/>
+                </a:tc>
+                <a:tc>
+                  <a:txBody>
+                    <a:bodyPr/>
+                    <a:lstStyle/>
+                    <a:p>
+                      <a:pPr algn="ctr" fontAlgn="ctr"/>
+                      <a:r>
+                        <a:rPr lang="en-US" altLang="zh-CN" sz="1800" u="none" strike="noStrike">
+                          <a:effectLst/>
+                        </a:rPr>
+                        <a:t>4</a:t>
+                      </a:r>
+                      <a:endParaRPr lang="en-US" altLang="zh-CN" sz="1800" b="0" i="0" u="none" strike="noStrike">
+                        <a:solidFill>
+                          <a:srgbClr val="000000"/>
+                        </a:solidFill>
+                        <a:effectLst/>
+                        <a:latin typeface="等线" panose="02010600030101010101" pitchFamily="2" charset="-122"/>
+                        <a:ea typeface="等线" panose="02010600030101010101" pitchFamily="2" charset="-122"/>
+                      </a:endParaRPr>
+                    </a:p>
+                  </a:txBody>
+                  <a:tcPr marL="9525" marR="9525" marT="9525" marB="0" anchor="ctr"/>
+                </a:tc>
+                <a:tc>
+                  <a:txBody>
+                    <a:bodyPr/>
+                    <a:lstStyle/>
+                    <a:p>
+                      <a:pPr algn="ctr" fontAlgn="ctr"/>
+                      <a:r>
+                        <a:rPr lang="en-US" altLang="zh-CN" sz="1800" u="none" strike="noStrike">
+                          <a:effectLst/>
+                        </a:rPr>
+                        <a:t>3.51154</a:t>
+                      </a:r>
+                      <a:endParaRPr lang="en-US" altLang="zh-CN" sz="1800" b="0" i="0" u="none" strike="noStrike">
+                        <a:solidFill>
+                          <a:srgbClr val="000000"/>
+                        </a:solidFill>
+                        <a:effectLst/>
+                        <a:latin typeface="等线" panose="02010600030101010101" pitchFamily="2" charset="-122"/>
+                        <a:ea typeface="等线" panose="02010600030101010101" pitchFamily="2" charset="-122"/>
+                      </a:endParaRPr>
+                    </a:p>
+                  </a:txBody>
+                  <a:tcPr marL="9525" marR="9525" marT="9525" marB="0" anchor="ctr"/>
+                </a:tc>
+                <a:tc vMerge="1">
+                  <a:txBody>
+                    <a:bodyPr/>
+                    <a:lstStyle/>
+                    <a:p>
+                      <a:endParaRPr lang="zh-CN" altLang="en-US"/>
+                    </a:p>
+                  </a:txBody>
+                  <a:tcPr/>
+                </a:tc>
+                <a:tc>
+                  <a:txBody>
+                    <a:bodyPr/>
+                    <a:lstStyle/>
+                    <a:p>
+                      <a:pPr algn="ctr" fontAlgn="ctr"/>
+                      <a:r>
+                        <a:rPr lang="en-US" altLang="zh-CN" sz="1800" u="none" strike="noStrike">
+                          <a:effectLst/>
+                        </a:rPr>
+                        <a:t>0.00554</a:t>
+                      </a:r>
+                      <a:endParaRPr lang="en-US" altLang="zh-CN" sz="1800" b="0" i="0" u="none" strike="noStrike">
+                        <a:solidFill>
+                          <a:srgbClr val="000000"/>
+                        </a:solidFill>
+                        <a:effectLst/>
+                        <a:latin typeface="等线" panose="02010600030101010101" pitchFamily="2" charset="-122"/>
+                        <a:ea typeface="等线" panose="02010600030101010101" pitchFamily="2" charset="-122"/>
+                      </a:endParaRPr>
+                    </a:p>
+                  </a:txBody>
+                  <a:tcPr marL="9525" marR="9525" marT="9525" marB="0" anchor="ctr"/>
+                </a:tc>
+                <a:extLst>
+                  <a:ext uri="{0D108BD9-81ED-4DB2-BD59-A6C34878D82A}">
+                    <a16:rowId xmlns:a16="http://schemas.microsoft.com/office/drawing/2014/main" val="2351719132"/>
+                  </a:ext>
+                </a:extLst>
+              </a:tr>
+              <a:tr h="273940">
+                <a:tc vMerge="1">
+                  <a:txBody>
+                    <a:bodyPr/>
+                    <a:lstStyle/>
+                    <a:p>
+                      <a:endParaRPr lang="zh-CN" altLang="en-US"/>
+                    </a:p>
+                  </a:txBody>
+                  <a:tcPr/>
+                </a:tc>
+                <a:tc>
+                  <a:txBody>
+                    <a:bodyPr/>
+                    <a:lstStyle/>
+                    <a:p>
+                      <a:pPr algn="ctr" fontAlgn="ctr"/>
+                      <a:r>
+                        <a:rPr lang="en-US" altLang="zh-CN" sz="1800" u="none" strike="noStrike">
+                          <a:effectLst/>
+                        </a:rPr>
+                        <a:t>5</a:t>
+                      </a:r>
+                      <a:endParaRPr lang="en-US" altLang="zh-CN" sz="1800" b="0" i="0" u="none" strike="noStrike">
+                        <a:solidFill>
+                          <a:srgbClr val="000000"/>
+                        </a:solidFill>
+                        <a:effectLst/>
+                        <a:latin typeface="等线" panose="02010600030101010101" pitchFamily="2" charset="-122"/>
+                        <a:ea typeface="等线" panose="02010600030101010101" pitchFamily="2" charset="-122"/>
+                      </a:endParaRPr>
+                    </a:p>
+                  </a:txBody>
+                  <a:tcPr marL="9525" marR="9525" marT="9525" marB="0" anchor="ctr"/>
+                </a:tc>
+                <a:tc>
+                  <a:txBody>
+                    <a:bodyPr/>
+                    <a:lstStyle/>
+                    <a:p>
+                      <a:pPr algn="ctr" fontAlgn="ctr"/>
+                      <a:r>
+                        <a:rPr lang="en-US" altLang="zh-CN" sz="1800" u="none" strike="noStrike">
+                          <a:effectLst/>
+                        </a:rPr>
+                        <a:t>3.50921</a:t>
+                      </a:r>
+                      <a:endParaRPr lang="en-US" altLang="zh-CN" sz="1800" b="0" i="0" u="none" strike="noStrike">
+                        <a:solidFill>
+                          <a:srgbClr val="000000"/>
+                        </a:solidFill>
+                        <a:effectLst/>
+                        <a:latin typeface="等线" panose="02010600030101010101" pitchFamily="2" charset="-122"/>
+                        <a:ea typeface="等线" panose="02010600030101010101" pitchFamily="2" charset="-122"/>
+                      </a:endParaRPr>
+                    </a:p>
+                  </a:txBody>
+                  <a:tcPr marL="9525" marR="9525" marT="9525" marB="0" anchor="ctr"/>
+                </a:tc>
+                <a:tc vMerge="1">
+                  <a:txBody>
+                    <a:bodyPr/>
+                    <a:lstStyle/>
+                    <a:p>
+                      <a:endParaRPr lang="zh-CN" altLang="en-US"/>
+                    </a:p>
+                  </a:txBody>
+                  <a:tcPr/>
+                </a:tc>
+                <a:tc>
+                  <a:txBody>
+                    <a:bodyPr/>
+                    <a:lstStyle/>
+                    <a:p>
+                      <a:pPr algn="ctr" fontAlgn="ctr"/>
+                      <a:r>
+                        <a:rPr lang="en-US" altLang="zh-CN" sz="1800" u="none" strike="noStrike">
+                          <a:effectLst/>
+                        </a:rPr>
+                        <a:t>0.00321</a:t>
+                      </a:r>
+                      <a:endParaRPr lang="en-US" altLang="zh-CN" sz="1800" b="0" i="0" u="none" strike="noStrike">
+                        <a:solidFill>
+                          <a:srgbClr val="000000"/>
+                        </a:solidFill>
+                        <a:effectLst/>
+                        <a:latin typeface="等线" panose="02010600030101010101" pitchFamily="2" charset="-122"/>
+                        <a:ea typeface="等线" panose="02010600030101010101" pitchFamily="2" charset="-122"/>
+                      </a:endParaRPr>
+                    </a:p>
+                  </a:txBody>
+                  <a:tcPr marL="9525" marR="9525" marT="9525" marB="0" anchor="ctr"/>
+                </a:tc>
+                <a:extLst>
+                  <a:ext uri="{0D108BD9-81ED-4DB2-BD59-A6C34878D82A}">
+                    <a16:rowId xmlns:a16="http://schemas.microsoft.com/office/drawing/2014/main" val="3685588815"/>
+                  </a:ext>
+                </a:extLst>
+              </a:tr>
+              <a:tr h="273940">
+                <a:tc rowSpan="5">
+                  <a:txBody>
+                    <a:bodyPr/>
+                    <a:lstStyle/>
+                    <a:p>
+                      <a:pPr algn="ctr" fontAlgn="ctr"/>
+                      <a:r>
+                        <a:rPr lang="en-US" altLang="zh-CN" sz="1800" u="none" strike="noStrike">
+                          <a:effectLst/>
+                        </a:rPr>
+                        <a:t>89--1</a:t>
+                      </a:r>
+                      <a:endParaRPr lang="en-US" altLang="zh-CN" sz="1800" b="0" i="0" u="none" strike="noStrike">
+                        <a:solidFill>
+                          <a:srgbClr val="000000"/>
+                        </a:solidFill>
+                        <a:effectLst/>
+                        <a:latin typeface="等线" panose="02010600030101010101" pitchFamily="2" charset="-122"/>
+                        <a:ea typeface="等线" panose="02010600030101010101" pitchFamily="2" charset="-122"/>
+                      </a:endParaRPr>
+                    </a:p>
+                  </a:txBody>
+                  <a:tcPr marL="9525" marR="9525" marT="9525" marB="0" anchor="ctr"/>
+                </a:tc>
+                <a:tc>
+                  <a:txBody>
+                    <a:bodyPr/>
+                    <a:lstStyle/>
+                    <a:p>
+                      <a:pPr algn="ctr" fontAlgn="ctr"/>
+                      <a:r>
+                        <a:rPr lang="en-US" altLang="zh-CN" sz="1800" u="none" strike="noStrike">
+                          <a:effectLst/>
+                        </a:rPr>
+                        <a:t>1</a:t>
+                      </a:r>
+                      <a:endParaRPr lang="en-US" altLang="zh-CN" sz="1800" b="0" i="0" u="none" strike="noStrike">
+                        <a:solidFill>
+                          <a:srgbClr val="000000"/>
+                        </a:solidFill>
+                        <a:effectLst/>
+                        <a:latin typeface="等线" panose="02010600030101010101" pitchFamily="2" charset="-122"/>
+                        <a:ea typeface="等线" panose="02010600030101010101" pitchFamily="2" charset="-122"/>
+                      </a:endParaRPr>
+                    </a:p>
+                  </a:txBody>
+                  <a:tcPr marL="9525" marR="9525" marT="9525" marB="0" anchor="ctr"/>
+                </a:tc>
+                <a:tc>
+                  <a:txBody>
+                    <a:bodyPr/>
+                    <a:lstStyle/>
+                    <a:p>
+                      <a:pPr algn="ctr" fontAlgn="ctr"/>
+                      <a:r>
+                        <a:rPr lang="en-US" altLang="zh-CN" sz="1800" u="none" strike="noStrike">
+                          <a:effectLst/>
+                        </a:rPr>
+                        <a:t>4.31201</a:t>
+                      </a:r>
+                      <a:endParaRPr lang="en-US" altLang="zh-CN" sz="1800" b="0" i="0" u="none" strike="noStrike">
+                        <a:solidFill>
+                          <a:srgbClr val="000000"/>
+                        </a:solidFill>
+                        <a:effectLst/>
+                        <a:latin typeface="等线" panose="02010600030101010101" pitchFamily="2" charset="-122"/>
+                        <a:ea typeface="等线" panose="02010600030101010101" pitchFamily="2" charset="-122"/>
+                      </a:endParaRPr>
+                    </a:p>
+                  </a:txBody>
+                  <a:tcPr marL="9525" marR="9525" marT="9525" marB="0" anchor="ctr"/>
+                </a:tc>
+                <a:tc rowSpan="5">
+                  <a:txBody>
+                    <a:bodyPr/>
+                    <a:lstStyle/>
+                    <a:p>
+                      <a:pPr algn="ctr" fontAlgn="ctr"/>
+                      <a:r>
+                        <a:rPr lang="en-US" altLang="zh-CN" sz="1800" u="none" strike="noStrike">
+                          <a:effectLst/>
+                        </a:rPr>
+                        <a:t>4.3</a:t>
+                      </a:r>
+                      <a:endParaRPr lang="en-US" altLang="zh-CN" sz="1800" b="0" i="0" u="none" strike="noStrike">
+                        <a:solidFill>
+                          <a:srgbClr val="000000"/>
+                        </a:solidFill>
+                        <a:effectLst/>
+                        <a:latin typeface="等线" panose="02010600030101010101" pitchFamily="2" charset="-122"/>
+                        <a:ea typeface="等线" panose="02010600030101010101" pitchFamily="2" charset="-122"/>
+                      </a:endParaRPr>
+                    </a:p>
+                  </a:txBody>
+                  <a:tcPr marL="9525" marR="9525" marT="9525" marB="0" anchor="ctr"/>
+                </a:tc>
+                <a:tc>
+                  <a:txBody>
+                    <a:bodyPr/>
+                    <a:lstStyle/>
+                    <a:p>
+                      <a:pPr algn="ctr" fontAlgn="ctr"/>
+                      <a:r>
+                        <a:rPr lang="en-US" altLang="zh-CN" sz="1800" u="none" strike="noStrike">
+                          <a:effectLst/>
+                        </a:rPr>
+                        <a:t>0.01201</a:t>
+                      </a:r>
+                      <a:endParaRPr lang="en-US" altLang="zh-CN" sz="1800" b="0" i="0" u="none" strike="noStrike">
+                        <a:solidFill>
+                          <a:srgbClr val="000000"/>
+                        </a:solidFill>
+                        <a:effectLst/>
+                        <a:latin typeface="等线" panose="02010600030101010101" pitchFamily="2" charset="-122"/>
+                        <a:ea typeface="等线" panose="02010600030101010101" pitchFamily="2" charset="-122"/>
+                      </a:endParaRPr>
+                    </a:p>
+                  </a:txBody>
+                  <a:tcPr marL="9525" marR="9525" marT="9525" marB="0" anchor="ctr"/>
+                </a:tc>
+                <a:extLst>
+                  <a:ext uri="{0D108BD9-81ED-4DB2-BD59-A6C34878D82A}">
+                    <a16:rowId xmlns:a16="http://schemas.microsoft.com/office/drawing/2014/main" val="1613963507"/>
+                  </a:ext>
+                </a:extLst>
+              </a:tr>
+              <a:tr h="273940">
+                <a:tc vMerge="1">
+                  <a:txBody>
+                    <a:bodyPr/>
+                    <a:lstStyle/>
+                    <a:p>
+                      <a:endParaRPr lang="zh-CN" altLang="en-US"/>
+                    </a:p>
+                  </a:txBody>
+                  <a:tcPr/>
+                </a:tc>
+                <a:tc>
+                  <a:txBody>
+                    <a:bodyPr/>
+                    <a:lstStyle/>
+                    <a:p>
+                      <a:pPr algn="ctr" fontAlgn="ctr"/>
+                      <a:r>
+                        <a:rPr lang="en-US" altLang="zh-CN" sz="1800" u="none" strike="noStrike">
+                          <a:effectLst/>
+                        </a:rPr>
+                        <a:t>2</a:t>
+                      </a:r>
+                      <a:endParaRPr lang="en-US" altLang="zh-CN" sz="1800" b="0" i="0" u="none" strike="noStrike">
+                        <a:solidFill>
+                          <a:srgbClr val="000000"/>
+                        </a:solidFill>
+                        <a:effectLst/>
+                        <a:latin typeface="等线" panose="02010600030101010101" pitchFamily="2" charset="-122"/>
+                        <a:ea typeface="等线" panose="02010600030101010101" pitchFamily="2" charset="-122"/>
+                      </a:endParaRPr>
+                    </a:p>
+                  </a:txBody>
+                  <a:tcPr marL="9525" marR="9525" marT="9525" marB="0" anchor="ctr"/>
+                </a:tc>
+                <a:tc>
+                  <a:txBody>
+                    <a:bodyPr/>
+                    <a:lstStyle/>
+                    <a:p>
+                      <a:pPr algn="ctr" fontAlgn="ctr"/>
+                      <a:r>
+                        <a:rPr lang="en-US" altLang="zh-CN" sz="1800" u="none" strike="noStrike">
+                          <a:effectLst/>
+                        </a:rPr>
+                        <a:t>4.31593</a:t>
+                      </a:r>
+                      <a:endParaRPr lang="en-US" altLang="zh-CN" sz="1800" b="0" i="0" u="none" strike="noStrike">
+                        <a:solidFill>
+                          <a:srgbClr val="000000"/>
+                        </a:solidFill>
+                        <a:effectLst/>
+                        <a:latin typeface="等线" panose="02010600030101010101" pitchFamily="2" charset="-122"/>
+                        <a:ea typeface="等线" panose="02010600030101010101" pitchFamily="2" charset="-122"/>
+                      </a:endParaRPr>
+                    </a:p>
+                  </a:txBody>
+                  <a:tcPr marL="9525" marR="9525" marT="9525" marB="0" anchor="ctr"/>
+                </a:tc>
+                <a:tc vMerge="1">
+                  <a:txBody>
+                    <a:bodyPr/>
+                    <a:lstStyle/>
+                    <a:p>
+                      <a:endParaRPr lang="zh-CN" altLang="en-US"/>
+                    </a:p>
+                  </a:txBody>
+                  <a:tcPr/>
+                </a:tc>
+                <a:tc>
+                  <a:txBody>
+                    <a:bodyPr/>
+                    <a:lstStyle/>
+                    <a:p>
+                      <a:pPr algn="ctr" fontAlgn="ctr"/>
+                      <a:r>
+                        <a:rPr lang="en-US" altLang="zh-CN" sz="1800" u="none" strike="noStrike">
+                          <a:effectLst/>
+                        </a:rPr>
+                        <a:t>0.01593</a:t>
+                      </a:r>
+                      <a:endParaRPr lang="en-US" altLang="zh-CN" sz="1800" b="0" i="0" u="none" strike="noStrike">
+                        <a:solidFill>
+                          <a:srgbClr val="000000"/>
+                        </a:solidFill>
+                        <a:effectLst/>
+                        <a:latin typeface="等线" panose="02010600030101010101" pitchFamily="2" charset="-122"/>
+                        <a:ea typeface="等线" panose="02010600030101010101" pitchFamily="2" charset="-122"/>
+                      </a:endParaRPr>
+                    </a:p>
+                  </a:txBody>
+                  <a:tcPr marL="9525" marR="9525" marT="9525" marB="0" anchor="ctr"/>
+                </a:tc>
+                <a:extLst>
+                  <a:ext uri="{0D108BD9-81ED-4DB2-BD59-A6C34878D82A}">
+                    <a16:rowId xmlns:a16="http://schemas.microsoft.com/office/drawing/2014/main" val="160107830"/>
+                  </a:ext>
+                </a:extLst>
+              </a:tr>
+              <a:tr h="273940">
+                <a:tc vMerge="1">
+                  <a:txBody>
+                    <a:bodyPr/>
+                    <a:lstStyle/>
+                    <a:p>
+                      <a:endParaRPr lang="zh-CN" altLang="en-US"/>
+                    </a:p>
+                  </a:txBody>
+                  <a:tcPr/>
+                </a:tc>
+                <a:tc>
+                  <a:txBody>
+                    <a:bodyPr/>
+                    <a:lstStyle/>
+                    <a:p>
+                      <a:pPr algn="ctr" fontAlgn="ctr"/>
+                      <a:r>
+                        <a:rPr lang="en-US" altLang="zh-CN" sz="1800" u="none" strike="noStrike">
+                          <a:effectLst/>
+                        </a:rPr>
+                        <a:t>3</a:t>
+                      </a:r>
+                      <a:endParaRPr lang="en-US" altLang="zh-CN" sz="1800" b="0" i="0" u="none" strike="noStrike">
+                        <a:solidFill>
+                          <a:srgbClr val="000000"/>
+                        </a:solidFill>
+                        <a:effectLst/>
+                        <a:latin typeface="等线" panose="02010600030101010101" pitchFamily="2" charset="-122"/>
+                        <a:ea typeface="等线" panose="02010600030101010101" pitchFamily="2" charset="-122"/>
+                      </a:endParaRPr>
+                    </a:p>
+                  </a:txBody>
+                  <a:tcPr marL="9525" marR="9525" marT="9525" marB="0" anchor="ctr"/>
+                </a:tc>
+                <a:tc>
+                  <a:txBody>
+                    <a:bodyPr/>
+                    <a:lstStyle/>
+                    <a:p>
+                      <a:pPr algn="ctr" fontAlgn="ctr"/>
+                      <a:r>
+                        <a:rPr lang="en-US" altLang="zh-CN" sz="1800" u="none" strike="noStrike">
+                          <a:effectLst/>
+                        </a:rPr>
+                        <a:t>4.31794</a:t>
+                      </a:r>
+                      <a:endParaRPr lang="en-US" altLang="zh-CN" sz="1800" b="0" i="0" u="none" strike="noStrike">
+                        <a:solidFill>
+                          <a:srgbClr val="000000"/>
+                        </a:solidFill>
+                        <a:effectLst/>
+                        <a:latin typeface="等线" panose="02010600030101010101" pitchFamily="2" charset="-122"/>
+                        <a:ea typeface="等线" panose="02010600030101010101" pitchFamily="2" charset="-122"/>
+                      </a:endParaRPr>
+                    </a:p>
+                  </a:txBody>
+                  <a:tcPr marL="9525" marR="9525" marT="9525" marB="0" anchor="ctr"/>
+                </a:tc>
+                <a:tc vMerge="1">
+                  <a:txBody>
+                    <a:bodyPr/>
+                    <a:lstStyle/>
+                    <a:p>
+                      <a:endParaRPr lang="zh-CN" altLang="en-US"/>
+                    </a:p>
+                  </a:txBody>
+                  <a:tcPr/>
+                </a:tc>
+                <a:tc>
+                  <a:txBody>
+                    <a:bodyPr/>
+                    <a:lstStyle/>
+                    <a:p>
+                      <a:pPr algn="ctr" fontAlgn="ctr"/>
+                      <a:r>
+                        <a:rPr lang="en-US" altLang="zh-CN" sz="1800" u="none" strike="noStrike" dirty="0">
+                          <a:effectLst/>
+                        </a:rPr>
+                        <a:t>0.01794</a:t>
+                      </a:r>
+                      <a:endParaRPr lang="en-US" altLang="zh-CN" sz="1800" b="0" i="0" u="none" strike="noStrike" dirty="0">
+                        <a:solidFill>
+                          <a:srgbClr val="000000"/>
+                        </a:solidFill>
+                        <a:effectLst/>
+                        <a:latin typeface="等线" panose="02010600030101010101" pitchFamily="2" charset="-122"/>
+                        <a:ea typeface="等线" panose="02010600030101010101" pitchFamily="2" charset="-122"/>
+                      </a:endParaRPr>
+                    </a:p>
+                  </a:txBody>
+                  <a:tcPr marL="9525" marR="9525" marT="9525" marB="0" anchor="ctr"/>
+                </a:tc>
+                <a:extLst>
+                  <a:ext uri="{0D108BD9-81ED-4DB2-BD59-A6C34878D82A}">
+                    <a16:rowId xmlns:a16="http://schemas.microsoft.com/office/drawing/2014/main" val="1749011900"/>
+                  </a:ext>
+                </a:extLst>
+              </a:tr>
+              <a:tr h="273940">
+                <a:tc vMerge="1">
+                  <a:txBody>
+                    <a:bodyPr/>
+                    <a:lstStyle/>
+                    <a:p>
+                      <a:endParaRPr lang="zh-CN" altLang="en-US"/>
+                    </a:p>
+                  </a:txBody>
+                  <a:tcPr/>
+                </a:tc>
+                <a:tc>
+                  <a:txBody>
+                    <a:bodyPr/>
+                    <a:lstStyle/>
+                    <a:p>
+                      <a:pPr algn="ctr" fontAlgn="ctr"/>
+                      <a:r>
+                        <a:rPr lang="en-US" altLang="zh-CN" sz="1800" u="none" strike="noStrike">
+                          <a:effectLst/>
+                        </a:rPr>
+                        <a:t>4</a:t>
+                      </a:r>
+                      <a:endParaRPr lang="en-US" altLang="zh-CN" sz="1800" b="0" i="0" u="none" strike="noStrike">
+                        <a:solidFill>
+                          <a:srgbClr val="000000"/>
+                        </a:solidFill>
+                        <a:effectLst/>
+                        <a:latin typeface="等线" panose="02010600030101010101" pitchFamily="2" charset="-122"/>
+                        <a:ea typeface="等线" panose="02010600030101010101" pitchFamily="2" charset="-122"/>
+                      </a:endParaRPr>
+                    </a:p>
+                  </a:txBody>
+                  <a:tcPr marL="9525" marR="9525" marT="9525" marB="0" anchor="ctr"/>
+                </a:tc>
+                <a:tc>
+                  <a:txBody>
+                    <a:bodyPr/>
+                    <a:lstStyle/>
+                    <a:p>
+                      <a:pPr algn="ctr" fontAlgn="ctr"/>
+                      <a:r>
+                        <a:rPr lang="en-US" altLang="zh-CN" sz="1800" u="none" strike="noStrike">
+                          <a:effectLst/>
+                        </a:rPr>
+                        <a:t>4.32509</a:t>
+                      </a:r>
+                      <a:endParaRPr lang="en-US" altLang="zh-CN" sz="1800" b="0" i="0" u="none" strike="noStrike">
+                        <a:solidFill>
+                          <a:srgbClr val="000000"/>
+                        </a:solidFill>
+                        <a:effectLst/>
+                        <a:latin typeface="等线" panose="02010600030101010101" pitchFamily="2" charset="-122"/>
+                        <a:ea typeface="等线" panose="02010600030101010101" pitchFamily="2" charset="-122"/>
+                      </a:endParaRPr>
+                    </a:p>
+                  </a:txBody>
+                  <a:tcPr marL="9525" marR="9525" marT="9525" marB="0" anchor="ctr"/>
+                </a:tc>
+                <a:tc vMerge="1">
+                  <a:txBody>
+                    <a:bodyPr/>
+                    <a:lstStyle/>
+                    <a:p>
+                      <a:endParaRPr lang="zh-CN" altLang="en-US"/>
+                    </a:p>
+                  </a:txBody>
+                  <a:tcPr/>
+                </a:tc>
+                <a:tc>
+                  <a:txBody>
+                    <a:bodyPr/>
+                    <a:lstStyle/>
+                    <a:p>
+                      <a:pPr algn="ctr" fontAlgn="ctr"/>
+                      <a:r>
+                        <a:rPr lang="en-US" altLang="zh-CN" sz="1800" u="none" strike="noStrike">
+                          <a:effectLst/>
+                        </a:rPr>
+                        <a:t>0.02509</a:t>
+                      </a:r>
+                      <a:endParaRPr lang="en-US" altLang="zh-CN" sz="1800" b="0" i="0" u="none" strike="noStrike">
+                        <a:solidFill>
+                          <a:srgbClr val="000000"/>
+                        </a:solidFill>
+                        <a:effectLst/>
+                        <a:latin typeface="等线" panose="02010600030101010101" pitchFamily="2" charset="-122"/>
+                        <a:ea typeface="等线" panose="02010600030101010101" pitchFamily="2" charset="-122"/>
+                      </a:endParaRPr>
+                    </a:p>
+                  </a:txBody>
+                  <a:tcPr marL="9525" marR="9525" marT="9525" marB="0" anchor="ctr"/>
+                </a:tc>
+                <a:extLst>
+                  <a:ext uri="{0D108BD9-81ED-4DB2-BD59-A6C34878D82A}">
+                    <a16:rowId xmlns:a16="http://schemas.microsoft.com/office/drawing/2014/main" val="2157164805"/>
+                  </a:ext>
+                </a:extLst>
+              </a:tr>
+              <a:tr h="273940">
+                <a:tc vMerge="1">
+                  <a:txBody>
+                    <a:bodyPr/>
+                    <a:lstStyle/>
+                    <a:p>
+                      <a:endParaRPr lang="zh-CN" altLang="en-US"/>
+                    </a:p>
+                  </a:txBody>
+                  <a:tcPr/>
+                </a:tc>
+                <a:tc>
+                  <a:txBody>
+                    <a:bodyPr/>
+                    <a:lstStyle/>
+                    <a:p>
+                      <a:pPr algn="ctr" fontAlgn="ctr"/>
+                      <a:r>
+                        <a:rPr lang="en-US" altLang="zh-CN" sz="1800" u="none" strike="noStrike">
+                          <a:effectLst/>
+                        </a:rPr>
+                        <a:t>5</a:t>
+                      </a:r>
+                      <a:endParaRPr lang="en-US" altLang="zh-CN" sz="1800" b="0" i="0" u="none" strike="noStrike">
+                        <a:solidFill>
+                          <a:srgbClr val="000000"/>
+                        </a:solidFill>
+                        <a:effectLst/>
+                        <a:latin typeface="等线" panose="02010600030101010101" pitchFamily="2" charset="-122"/>
+                        <a:ea typeface="等线" panose="02010600030101010101" pitchFamily="2" charset="-122"/>
+                      </a:endParaRPr>
+                    </a:p>
+                  </a:txBody>
+                  <a:tcPr marL="9525" marR="9525" marT="9525" marB="0" anchor="ctr"/>
+                </a:tc>
+                <a:tc>
+                  <a:txBody>
+                    <a:bodyPr/>
+                    <a:lstStyle/>
+                    <a:p>
+                      <a:pPr algn="ctr" fontAlgn="ctr"/>
+                      <a:r>
+                        <a:rPr lang="en-US" altLang="zh-CN" sz="1800" u="none" strike="noStrike">
+                          <a:effectLst/>
+                        </a:rPr>
+                        <a:t>4.31283</a:t>
+                      </a:r>
+                      <a:endParaRPr lang="en-US" altLang="zh-CN" sz="1800" b="0" i="0" u="none" strike="noStrike">
+                        <a:solidFill>
+                          <a:srgbClr val="000000"/>
+                        </a:solidFill>
+                        <a:effectLst/>
+                        <a:latin typeface="等线" panose="02010600030101010101" pitchFamily="2" charset="-122"/>
+                        <a:ea typeface="等线" panose="02010600030101010101" pitchFamily="2" charset="-122"/>
+                      </a:endParaRPr>
+                    </a:p>
+                  </a:txBody>
+                  <a:tcPr marL="9525" marR="9525" marT="9525" marB="0" anchor="ctr"/>
+                </a:tc>
+                <a:tc vMerge="1">
+                  <a:txBody>
+                    <a:bodyPr/>
+                    <a:lstStyle/>
+                    <a:p>
+                      <a:endParaRPr lang="zh-CN" altLang="en-US"/>
+                    </a:p>
+                  </a:txBody>
+                  <a:tcPr/>
+                </a:tc>
+                <a:tc>
+                  <a:txBody>
+                    <a:bodyPr/>
+                    <a:lstStyle/>
+                    <a:p>
+                      <a:pPr algn="ctr" fontAlgn="ctr"/>
+                      <a:r>
+                        <a:rPr lang="en-US" altLang="zh-CN" sz="1800" u="none" strike="noStrike">
+                          <a:effectLst/>
+                        </a:rPr>
+                        <a:t>0.01283</a:t>
+                      </a:r>
+                      <a:endParaRPr lang="en-US" altLang="zh-CN" sz="1800" b="0" i="0" u="none" strike="noStrike">
+                        <a:solidFill>
+                          <a:srgbClr val="000000"/>
+                        </a:solidFill>
+                        <a:effectLst/>
+                        <a:latin typeface="等线" panose="02010600030101010101" pitchFamily="2" charset="-122"/>
+                        <a:ea typeface="等线" panose="02010600030101010101" pitchFamily="2" charset="-122"/>
+                      </a:endParaRPr>
+                    </a:p>
+                  </a:txBody>
+                  <a:tcPr marL="9525" marR="9525" marT="9525" marB="0" anchor="ctr"/>
+                </a:tc>
+                <a:extLst>
+                  <a:ext uri="{0D108BD9-81ED-4DB2-BD59-A6C34878D82A}">
+                    <a16:rowId xmlns:a16="http://schemas.microsoft.com/office/drawing/2014/main" val="3822409722"/>
+                  </a:ext>
+                </a:extLst>
+              </a:tr>
+              <a:tr h="273940">
+                <a:tc rowSpan="5">
+                  <a:txBody>
+                    <a:bodyPr/>
+                    <a:lstStyle/>
+                    <a:p>
+                      <a:pPr algn="ctr" fontAlgn="ctr"/>
+                      <a:r>
+                        <a:rPr lang="en-US" altLang="zh-CN" sz="1800" u="none" strike="noStrike">
+                          <a:effectLst/>
+                        </a:rPr>
+                        <a:t>92--1</a:t>
+                      </a:r>
+                      <a:endParaRPr lang="en-US" altLang="zh-CN" sz="1800" b="0" i="0" u="none" strike="noStrike">
+                        <a:solidFill>
+                          <a:srgbClr val="000000"/>
+                        </a:solidFill>
+                        <a:effectLst/>
+                        <a:latin typeface="等线" panose="02010600030101010101" pitchFamily="2" charset="-122"/>
+                        <a:ea typeface="等线" panose="02010600030101010101" pitchFamily="2" charset="-122"/>
+                      </a:endParaRPr>
+                    </a:p>
+                  </a:txBody>
+                  <a:tcPr marL="9525" marR="9525" marT="9525" marB="0" anchor="ctr"/>
+                </a:tc>
+                <a:tc>
+                  <a:txBody>
+                    <a:bodyPr/>
+                    <a:lstStyle/>
+                    <a:p>
+                      <a:pPr algn="ctr" fontAlgn="ctr"/>
+                      <a:r>
+                        <a:rPr lang="en-US" altLang="zh-CN" sz="1800" u="none" strike="noStrike">
+                          <a:effectLst/>
+                        </a:rPr>
+                        <a:t>1</a:t>
+                      </a:r>
+                      <a:endParaRPr lang="en-US" altLang="zh-CN" sz="1800" b="0" i="0" u="none" strike="noStrike">
+                        <a:solidFill>
+                          <a:srgbClr val="000000"/>
+                        </a:solidFill>
+                        <a:effectLst/>
+                        <a:latin typeface="等线" panose="02010600030101010101" pitchFamily="2" charset="-122"/>
+                        <a:ea typeface="等线" panose="02010600030101010101" pitchFamily="2" charset="-122"/>
+                      </a:endParaRPr>
+                    </a:p>
+                  </a:txBody>
+                  <a:tcPr marL="9525" marR="9525" marT="9525" marB="0" anchor="ctr"/>
+                </a:tc>
+                <a:tc>
+                  <a:txBody>
+                    <a:bodyPr/>
+                    <a:lstStyle/>
+                    <a:p>
+                      <a:pPr algn="ctr" fontAlgn="ctr"/>
+                      <a:r>
+                        <a:rPr lang="en-US" altLang="zh-CN" sz="1800" u="none" strike="noStrike">
+                          <a:effectLst/>
+                        </a:rPr>
+                        <a:t>4.66503</a:t>
+                      </a:r>
+                      <a:endParaRPr lang="en-US" altLang="zh-CN" sz="1800" b="0" i="0" u="none" strike="noStrike">
+                        <a:solidFill>
+                          <a:srgbClr val="000000"/>
+                        </a:solidFill>
+                        <a:effectLst/>
+                        <a:latin typeface="等线" panose="02010600030101010101" pitchFamily="2" charset="-122"/>
+                        <a:ea typeface="等线" panose="02010600030101010101" pitchFamily="2" charset="-122"/>
+                      </a:endParaRPr>
+                    </a:p>
+                  </a:txBody>
+                  <a:tcPr marL="9525" marR="9525" marT="9525" marB="0" anchor="ctr"/>
+                </a:tc>
+                <a:tc rowSpan="5">
+                  <a:txBody>
+                    <a:bodyPr/>
+                    <a:lstStyle/>
+                    <a:p>
+                      <a:pPr algn="ctr" fontAlgn="ctr"/>
+                      <a:r>
+                        <a:rPr lang="en-US" altLang="zh-CN" sz="1800" u="none" strike="noStrike">
+                          <a:effectLst/>
+                        </a:rPr>
+                        <a:t>4.652</a:t>
+                      </a:r>
+                      <a:endParaRPr lang="en-US" altLang="zh-CN" sz="1800" b="0" i="0" u="none" strike="noStrike">
+                        <a:solidFill>
+                          <a:srgbClr val="000000"/>
+                        </a:solidFill>
+                        <a:effectLst/>
+                        <a:latin typeface="等线" panose="02010600030101010101" pitchFamily="2" charset="-122"/>
+                        <a:ea typeface="等线" panose="02010600030101010101" pitchFamily="2" charset="-122"/>
+                      </a:endParaRPr>
+                    </a:p>
+                  </a:txBody>
+                  <a:tcPr marL="9525" marR="9525" marT="9525" marB="0" anchor="ctr"/>
+                </a:tc>
+                <a:tc>
+                  <a:txBody>
+                    <a:bodyPr/>
+                    <a:lstStyle/>
+                    <a:p>
+                      <a:pPr algn="ctr" fontAlgn="ctr"/>
+                      <a:r>
+                        <a:rPr lang="en-US" altLang="zh-CN" sz="1800" u="none" strike="noStrike">
+                          <a:effectLst/>
+                        </a:rPr>
+                        <a:t>0.01303</a:t>
+                      </a:r>
+                      <a:endParaRPr lang="en-US" altLang="zh-CN" sz="1800" b="0" i="0" u="none" strike="noStrike">
+                        <a:solidFill>
+                          <a:srgbClr val="000000"/>
+                        </a:solidFill>
+                        <a:effectLst/>
+                        <a:latin typeface="等线" panose="02010600030101010101" pitchFamily="2" charset="-122"/>
+                        <a:ea typeface="等线" panose="02010600030101010101" pitchFamily="2" charset="-122"/>
+                      </a:endParaRPr>
+                    </a:p>
+                  </a:txBody>
+                  <a:tcPr marL="9525" marR="9525" marT="9525" marB="0" anchor="ctr"/>
+                </a:tc>
+                <a:extLst>
+                  <a:ext uri="{0D108BD9-81ED-4DB2-BD59-A6C34878D82A}">
+                    <a16:rowId xmlns:a16="http://schemas.microsoft.com/office/drawing/2014/main" val="796947715"/>
+                  </a:ext>
+                </a:extLst>
+              </a:tr>
+              <a:tr h="273940">
+                <a:tc vMerge="1">
+                  <a:txBody>
+                    <a:bodyPr/>
+                    <a:lstStyle/>
+                    <a:p>
+                      <a:endParaRPr lang="zh-CN" altLang="en-US"/>
+                    </a:p>
+                  </a:txBody>
+                  <a:tcPr/>
+                </a:tc>
+                <a:tc>
+                  <a:txBody>
+                    <a:bodyPr/>
+                    <a:lstStyle/>
+                    <a:p>
+                      <a:pPr algn="ctr" fontAlgn="ctr"/>
+                      <a:r>
+                        <a:rPr lang="en-US" altLang="zh-CN" sz="1800" u="none" strike="noStrike">
+                          <a:effectLst/>
+                        </a:rPr>
+                        <a:t>2</a:t>
+                      </a:r>
+                      <a:endParaRPr lang="en-US" altLang="zh-CN" sz="1800" b="0" i="0" u="none" strike="noStrike">
+                        <a:solidFill>
+                          <a:srgbClr val="000000"/>
+                        </a:solidFill>
+                        <a:effectLst/>
+                        <a:latin typeface="等线" panose="02010600030101010101" pitchFamily="2" charset="-122"/>
+                        <a:ea typeface="等线" panose="02010600030101010101" pitchFamily="2" charset="-122"/>
+                      </a:endParaRPr>
+                    </a:p>
+                  </a:txBody>
+                  <a:tcPr marL="9525" marR="9525" marT="9525" marB="0" anchor="ctr"/>
+                </a:tc>
+                <a:tc>
+                  <a:txBody>
+                    <a:bodyPr/>
+                    <a:lstStyle/>
+                    <a:p>
+                      <a:pPr algn="ctr" fontAlgn="ctr"/>
+                      <a:r>
+                        <a:rPr lang="en-US" altLang="zh-CN" sz="1800" u="none" strike="noStrike">
+                          <a:effectLst/>
+                        </a:rPr>
+                        <a:t>4.66631</a:t>
+                      </a:r>
+                      <a:endParaRPr lang="en-US" altLang="zh-CN" sz="1800" b="0" i="0" u="none" strike="noStrike">
+                        <a:solidFill>
+                          <a:srgbClr val="000000"/>
+                        </a:solidFill>
+                        <a:effectLst/>
+                        <a:latin typeface="等线" panose="02010600030101010101" pitchFamily="2" charset="-122"/>
+                        <a:ea typeface="等线" panose="02010600030101010101" pitchFamily="2" charset="-122"/>
+                      </a:endParaRPr>
+                    </a:p>
+                  </a:txBody>
+                  <a:tcPr marL="9525" marR="9525" marT="9525" marB="0" anchor="ctr"/>
+                </a:tc>
+                <a:tc vMerge="1">
+                  <a:txBody>
+                    <a:bodyPr/>
+                    <a:lstStyle/>
+                    <a:p>
+                      <a:endParaRPr lang="zh-CN" altLang="en-US"/>
+                    </a:p>
+                  </a:txBody>
+                  <a:tcPr/>
+                </a:tc>
+                <a:tc>
+                  <a:txBody>
+                    <a:bodyPr/>
+                    <a:lstStyle/>
+                    <a:p>
+                      <a:pPr algn="ctr" fontAlgn="ctr"/>
+                      <a:r>
+                        <a:rPr lang="en-US" altLang="zh-CN" sz="1800" u="none" strike="noStrike">
+                          <a:effectLst/>
+                        </a:rPr>
+                        <a:t>0.01431</a:t>
+                      </a:r>
+                      <a:endParaRPr lang="en-US" altLang="zh-CN" sz="1800" b="0" i="0" u="none" strike="noStrike">
+                        <a:solidFill>
+                          <a:srgbClr val="000000"/>
+                        </a:solidFill>
+                        <a:effectLst/>
+                        <a:latin typeface="等线" panose="02010600030101010101" pitchFamily="2" charset="-122"/>
+                        <a:ea typeface="等线" panose="02010600030101010101" pitchFamily="2" charset="-122"/>
+                      </a:endParaRPr>
+                    </a:p>
+                  </a:txBody>
+                  <a:tcPr marL="9525" marR="9525" marT="9525" marB="0" anchor="ctr"/>
+                </a:tc>
+                <a:extLst>
+                  <a:ext uri="{0D108BD9-81ED-4DB2-BD59-A6C34878D82A}">
+                    <a16:rowId xmlns:a16="http://schemas.microsoft.com/office/drawing/2014/main" val="663063114"/>
+                  </a:ext>
+                </a:extLst>
+              </a:tr>
+              <a:tr h="273940">
+                <a:tc vMerge="1">
+                  <a:txBody>
+                    <a:bodyPr/>
+                    <a:lstStyle/>
+                    <a:p>
+                      <a:endParaRPr lang="zh-CN" altLang="en-US"/>
+                    </a:p>
+                  </a:txBody>
+                  <a:tcPr/>
+                </a:tc>
+                <a:tc>
+                  <a:txBody>
+                    <a:bodyPr/>
+                    <a:lstStyle/>
+                    <a:p>
+                      <a:pPr algn="ctr" fontAlgn="ctr"/>
+                      <a:r>
+                        <a:rPr lang="en-US" altLang="zh-CN" sz="1800" u="none" strike="noStrike">
+                          <a:effectLst/>
+                        </a:rPr>
+                        <a:t>3</a:t>
+                      </a:r>
+                      <a:endParaRPr lang="en-US" altLang="zh-CN" sz="1800" b="0" i="0" u="none" strike="noStrike">
+                        <a:solidFill>
+                          <a:srgbClr val="000000"/>
+                        </a:solidFill>
+                        <a:effectLst/>
+                        <a:latin typeface="等线" panose="02010600030101010101" pitchFamily="2" charset="-122"/>
+                        <a:ea typeface="等线" panose="02010600030101010101" pitchFamily="2" charset="-122"/>
+                      </a:endParaRPr>
+                    </a:p>
+                  </a:txBody>
+                  <a:tcPr marL="9525" marR="9525" marT="9525" marB="0" anchor="ctr"/>
+                </a:tc>
+                <a:tc>
+                  <a:txBody>
+                    <a:bodyPr/>
+                    <a:lstStyle/>
+                    <a:p>
+                      <a:pPr algn="ctr" fontAlgn="ctr"/>
+                      <a:r>
+                        <a:rPr lang="en-US" altLang="zh-CN" sz="1800" u="none" strike="noStrike">
+                          <a:effectLst/>
+                        </a:rPr>
+                        <a:t>4.66638</a:t>
+                      </a:r>
+                      <a:endParaRPr lang="en-US" altLang="zh-CN" sz="1800" b="0" i="0" u="none" strike="noStrike">
+                        <a:solidFill>
+                          <a:srgbClr val="000000"/>
+                        </a:solidFill>
+                        <a:effectLst/>
+                        <a:latin typeface="等线" panose="02010600030101010101" pitchFamily="2" charset="-122"/>
+                        <a:ea typeface="等线" panose="02010600030101010101" pitchFamily="2" charset="-122"/>
+                      </a:endParaRPr>
+                    </a:p>
+                  </a:txBody>
+                  <a:tcPr marL="9525" marR="9525" marT="9525" marB="0" anchor="ctr"/>
+                </a:tc>
+                <a:tc vMerge="1">
+                  <a:txBody>
+                    <a:bodyPr/>
+                    <a:lstStyle/>
+                    <a:p>
+                      <a:endParaRPr lang="zh-CN" altLang="en-US"/>
+                    </a:p>
+                  </a:txBody>
+                  <a:tcPr/>
+                </a:tc>
+                <a:tc>
+                  <a:txBody>
+                    <a:bodyPr/>
+                    <a:lstStyle/>
+                    <a:p>
+                      <a:pPr algn="ctr" fontAlgn="ctr"/>
+                      <a:r>
+                        <a:rPr lang="en-US" altLang="zh-CN" sz="1800" u="none" strike="noStrike">
+                          <a:effectLst/>
+                        </a:rPr>
+                        <a:t>0.01438</a:t>
+                      </a:r>
+                      <a:endParaRPr lang="en-US" altLang="zh-CN" sz="1800" b="0" i="0" u="none" strike="noStrike">
+                        <a:solidFill>
+                          <a:srgbClr val="000000"/>
+                        </a:solidFill>
+                        <a:effectLst/>
+                        <a:latin typeface="等线" panose="02010600030101010101" pitchFamily="2" charset="-122"/>
+                        <a:ea typeface="等线" panose="02010600030101010101" pitchFamily="2" charset="-122"/>
+                      </a:endParaRPr>
+                    </a:p>
+                  </a:txBody>
+                  <a:tcPr marL="9525" marR="9525" marT="9525" marB="0" anchor="ctr"/>
+                </a:tc>
+                <a:extLst>
+                  <a:ext uri="{0D108BD9-81ED-4DB2-BD59-A6C34878D82A}">
+                    <a16:rowId xmlns:a16="http://schemas.microsoft.com/office/drawing/2014/main" val="710590917"/>
+                  </a:ext>
+                </a:extLst>
+              </a:tr>
+              <a:tr h="273940">
+                <a:tc vMerge="1">
+                  <a:txBody>
+                    <a:bodyPr/>
+                    <a:lstStyle/>
+                    <a:p>
+                      <a:endParaRPr lang="zh-CN" altLang="en-US"/>
+                    </a:p>
+                  </a:txBody>
+                  <a:tcPr/>
+                </a:tc>
+                <a:tc>
+                  <a:txBody>
+                    <a:bodyPr/>
+                    <a:lstStyle/>
+                    <a:p>
+                      <a:pPr algn="ctr" fontAlgn="ctr"/>
+                      <a:r>
+                        <a:rPr lang="en-US" altLang="zh-CN" sz="1800" u="none" strike="noStrike">
+                          <a:effectLst/>
+                        </a:rPr>
+                        <a:t>4</a:t>
+                      </a:r>
+                      <a:endParaRPr lang="en-US" altLang="zh-CN" sz="1800" b="0" i="0" u="none" strike="noStrike">
+                        <a:solidFill>
+                          <a:srgbClr val="000000"/>
+                        </a:solidFill>
+                        <a:effectLst/>
+                        <a:latin typeface="等线" panose="02010600030101010101" pitchFamily="2" charset="-122"/>
+                        <a:ea typeface="等线" panose="02010600030101010101" pitchFamily="2" charset="-122"/>
+                      </a:endParaRPr>
+                    </a:p>
+                  </a:txBody>
+                  <a:tcPr marL="9525" marR="9525" marT="9525" marB="0" anchor="ctr"/>
+                </a:tc>
+                <a:tc>
+                  <a:txBody>
+                    <a:bodyPr/>
+                    <a:lstStyle/>
+                    <a:p>
+                      <a:pPr algn="ctr" fontAlgn="ctr"/>
+                      <a:r>
+                        <a:rPr lang="en-US" altLang="zh-CN" sz="1800" u="none" strike="noStrike">
+                          <a:effectLst/>
+                        </a:rPr>
+                        <a:t>4.65753</a:t>
+                      </a:r>
+                      <a:endParaRPr lang="en-US" altLang="zh-CN" sz="1800" b="0" i="0" u="none" strike="noStrike">
+                        <a:solidFill>
+                          <a:srgbClr val="000000"/>
+                        </a:solidFill>
+                        <a:effectLst/>
+                        <a:latin typeface="等线" panose="02010600030101010101" pitchFamily="2" charset="-122"/>
+                        <a:ea typeface="等线" panose="02010600030101010101" pitchFamily="2" charset="-122"/>
+                      </a:endParaRPr>
+                    </a:p>
+                  </a:txBody>
+                  <a:tcPr marL="9525" marR="9525" marT="9525" marB="0" anchor="ctr"/>
+                </a:tc>
+                <a:tc vMerge="1">
+                  <a:txBody>
+                    <a:bodyPr/>
+                    <a:lstStyle/>
+                    <a:p>
+                      <a:endParaRPr lang="zh-CN" altLang="en-US"/>
+                    </a:p>
+                  </a:txBody>
+                  <a:tcPr/>
+                </a:tc>
+                <a:tc>
+                  <a:txBody>
+                    <a:bodyPr/>
+                    <a:lstStyle/>
+                    <a:p>
+                      <a:pPr algn="ctr" fontAlgn="ctr"/>
+                      <a:r>
+                        <a:rPr lang="en-US" altLang="zh-CN" sz="1800" u="none" strike="noStrike">
+                          <a:effectLst/>
+                        </a:rPr>
+                        <a:t>0.00553</a:t>
+                      </a:r>
+                      <a:endParaRPr lang="en-US" altLang="zh-CN" sz="1800" b="0" i="0" u="none" strike="noStrike">
+                        <a:solidFill>
+                          <a:srgbClr val="000000"/>
+                        </a:solidFill>
+                        <a:effectLst/>
+                        <a:latin typeface="等线" panose="02010600030101010101" pitchFamily="2" charset="-122"/>
+                        <a:ea typeface="等线" panose="02010600030101010101" pitchFamily="2" charset="-122"/>
+                      </a:endParaRPr>
+                    </a:p>
+                  </a:txBody>
+                  <a:tcPr marL="9525" marR="9525" marT="9525" marB="0" anchor="ctr"/>
+                </a:tc>
+                <a:extLst>
+                  <a:ext uri="{0D108BD9-81ED-4DB2-BD59-A6C34878D82A}">
+                    <a16:rowId xmlns:a16="http://schemas.microsoft.com/office/drawing/2014/main" val="2323108042"/>
+                  </a:ext>
+                </a:extLst>
+              </a:tr>
+              <a:tr h="273940">
+                <a:tc vMerge="1">
+                  <a:txBody>
+                    <a:bodyPr/>
+                    <a:lstStyle/>
+                    <a:p>
+                      <a:endParaRPr lang="zh-CN" altLang="en-US"/>
+                    </a:p>
+                  </a:txBody>
+                  <a:tcPr/>
+                </a:tc>
+                <a:tc>
+                  <a:txBody>
+                    <a:bodyPr/>
+                    <a:lstStyle/>
+                    <a:p>
+                      <a:pPr algn="ctr" fontAlgn="ctr"/>
+                      <a:r>
+                        <a:rPr lang="en-US" altLang="zh-CN" sz="1800" u="none" strike="noStrike">
+                          <a:effectLst/>
+                        </a:rPr>
+                        <a:t>5</a:t>
+                      </a:r>
+                      <a:endParaRPr lang="en-US" altLang="zh-CN" sz="1800" b="0" i="0" u="none" strike="noStrike">
+                        <a:solidFill>
+                          <a:srgbClr val="000000"/>
+                        </a:solidFill>
+                        <a:effectLst/>
+                        <a:latin typeface="等线" panose="02010600030101010101" pitchFamily="2" charset="-122"/>
+                        <a:ea typeface="等线" panose="02010600030101010101" pitchFamily="2" charset="-122"/>
+                      </a:endParaRPr>
+                    </a:p>
+                  </a:txBody>
+                  <a:tcPr marL="9525" marR="9525" marT="9525" marB="0" anchor="ctr"/>
+                </a:tc>
+                <a:tc>
+                  <a:txBody>
+                    <a:bodyPr/>
+                    <a:lstStyle/>
+                    <a:p>
+                      <a:pPr algn="ctr" fontAlgn="ctr"/>
+                      <a:r>
+                        <a:rPr lang="en-US" altLang="zh-CN" sz="1800" u="none" strike="noStrike">
+                          <a:effectLst/>
+                        </a:rPr>
+                        <a:t>4.65619</a:t>
+                      </a:r>
+                      <a:endParaRPr lang="en-US" altLang="zh-CN" sz="1800" b="0" i="0" u="none" strike="noStrike">
+                        <a:solidFill>
+                          <a:srgbClr val="000000"/>
+                        </a:solidFill>
+                        <a:effectLst/>
+                        <a:latin typeface="等线" panose="02010600030101010101" pitchFamily="2" charset="-122"/>
+                        <a:ea typeface="等线" panose="02010600030101010101" pitchFamily="2" charset="-122"/>
+                      </a:endParaRPr>
+                    </a:p>
+                  </a:txBody>
+                  <a:tcPr marL="9525" marR="9525" marT="9525" marB="0" anchor="ctr"/>
+                </a:tc>
+                <a:tc vMerge="1">
+                  <a:txBody>
+                    <a:bodyPr/>
+                    <a:lstStyle/>
+                    <a:p>
+                      <a:endParaRPr lang="zh-CN" altLang="en-US"/>
+                    </a:p>
+                  </a:txBody>
+                  <a:tcPr/>
+                </a:tc>
+                <a:tc>
+                  <a:txBody>
+                    <a:bodyPr/>
+                    <a:lstStyle/>
+                    <a:p>
+                      <a:pPr algn="ctr" fontAlgn="ctr"/>
+                      <a:r>
+                        <a:rPr lang="en-US" altLang="zh-CN" sz="1800" u="none" strike="noStrike" dirty="0">
+                          <a:effectLst/>
+                        </a:rPr>
+                        <a:t>0.00419</a:t>
+                      </a:r>
+                      <a:endParaRPr lang="en-US" altLang="zh-CN" sz="1800" b="0" i="0" u="none" strike="noStrike" dirty="0">
+                        <a:solidFill>
+                          <a:srgbClr val="000000"/>
+                        </a:solidFill>
+                        <a:effectLst/>
+                        <a:latin typeface="等线" panose="02010600030101010101" pitchFamily="2" charset="-122"/>
+                        <a:ea typeface="等线" panose="02010600030101010101" pitchFamily="2" charset="-122"/>
+                      </a:endParaRPr>
+                    </a:p>
+                  </a:txBody>
+                  <a:tcPr marL="9525" marR="9525" marT="9525" marB="0" anchor="ctr"/>
+                </a:tc>
+                <a:extLst>
+                  <a:ext uri="{0D108BD9-81ED-4DB2-BD59-A6C34878D82A}">
+                    <a16:rowId xmlns:a16="http://schemas.microsoft.com/office/drawing/2014/main" val="476932611"/>
+                  </a:ext>
+                </a:extLst>
+              </a:tr>
+            </a:tbl>
+          </a:graphicData>
+        </a:graphic>
+      </p:graphicFrame>
+      <p:sp>
+        <p:nvSpPr>
+          <p:cNvPr id="4" name="文本框 3">
+            <a:extLst>
+              <a:ext uri="{FF2B5EF4-FFF2-40B4-BE49-F238E27FC236}">
+                <a16:creationId xmlns:a16="http://schemas.microsoft.com/office/drawing/2014/main" id="{08733DA7-D6C2-44AD-8039-323991DE2A84}"/>
+              </a:ext>
+            </a:extLst>
+          </p:cNvPr>
+          <p:cNvSpPr txBox="1"/>
+          <p:nvPr/>
+        </p:nvSpPr>
+        <p:spPr>
+          <a:xfrm>
+            <a:off x="8309499" y="923278"/>
+            <a:ext cx="3648723" cy="2806025"/>
+          </a:xfrm>
+          <a:prstGeom prst="rect">
+            <a:avLst/>
+          </a:prstGeom>
+          <a:noFill/>
+        </p:spPr>
+        <p:txBody>
+          <a:bodyPr wrap="square" rtlCol="0">
+            <a:spAutoFit/>
+          </a:bodyPr>
+          <a:lstStyle/>
+          <a:p>
+            <a:pPr>
+              <a:lnSpc>
+                <a:spcPct val="150000"/>
+              </a:lnSpc>
+            </a:pPr>
+            <a:r>
+              <a:rPr lang="zh-CN" altLang="en-US" sz="2400" b="1" dirty="0"/>
+              <a:t>测试结果</a:t>
+            </a:r>
+            <a:r>
+              <a:rPr lang="zh-CN" altLang="en-US" sz="2400" dirty="0"/>
+              <a:t>：</a:t>
+            </a:r>
+            <a:endParaRPr lang="en-US" altLang="zh-CN" sz="2400" dirty="0"/>
+          </a:p>
+          <a:p>
+            <a:pPr marL="285750" indent="-285750">
+              <a:lnSpc>
+                <a:spcPct val="150000"/>
+              </a:lnSpc>
+              <a:buFont typeface="Arial" panose="020B0604020202020204" pitchFamily="34" charset="0"/>
+              <a:buChar char="•"/>
+            </a:pPr>
+            <a:r>
+              <a:rPr lang="zh-CN" altLang="en-US" sz="2400" dirty="0"/>
+              <a:t>较光滑屏幕误差不超过</a:t>
+            </a:r>
+            <a:r>
+              <a:rPr lang="en-US" altLang="zh-CN" sz="2400" dirty="0">
+                <a:solidFill>
+                  <a:srgbClr val="FF0000"/>
+                </a:solidFill>
+              </a:rPr>
+              <a:t>0.01mm</a:t>
+            </a:r>
+          </a:p>
+          <a:p>
+            <a:pPr marL="285750" indent="-285750">
+              <a:lnSpc>
+                <a:spcPct val="150000"/>
+              </a:lnSpc>
+              <a:buFont typeface="Arial" panose="020B0604020202020204" pitchFamily="34" charset="0"/>
+              <a:buChar char="•"/>
+            </a:pPr>
+            <a:r>
+              <a:rPr lang="zh-CN" altLang="en-US" sz="2400" dirty="0"/>
+              <a:t>较粗糙平面误差不超过</a:t>
+            </a:r>
+            <a:r>
+              <a:rPr lang="en-US" altLang="zh-CN" sz="2400" dirty="0">
+                <a:solidFill>
+                  <a:srgbClr val="FF0000"/>
+                </a:solidFill>
+              </a:rPr>
+              <a:t>0.03mm</a:t>
+            </a:r>
+            <a:endParaRPr lang="zh-CN" altLang="en-US" sz="2400" dirty="0">
+              <a:solidFill>
+                <a:srgbClr val="FF0000"/>
+              </a:solidFill>
+            </a:endParaRPr>
+          </a:p>
+        </p:txBody>
+      </p:sp>
     </p:spTree>
     <p:extLst>
       <p:ext uri="{BB962C8B-B14F-4D97-AF65-F5344CB8AC3E}">
